--- a/FinalMoneypadPowerpoint.pptx
+++ b/FinalMoneypadPowerpoint.pptx
@@ -9,15 +9,16 @@
     <p:sldId id="257" r:id="rId3"/>
     <p:sldId id="258" r:id="rId4"/>
     <p:sldId id="259" r:id="rId5"/>
-    <p:sldId id="267" r:id="rId6"/>
-    <p:sldId id="268" r:id="rId7"/>
-    <p:sldId id="275" r:id="rId8"/>
-    <p:sldId id="271" r:id="rId9"/>
-    <p:sldId id="272" r:id="rId10"/>
+    <p:sldId id="272" r:id="rId6"/>
+    <p:sldId id="269" r:id="rId7"/>
+    <p:sldId id="267" r:id="rId8"/>
+    <p:sldId id="268" r:id="rId9"/>
+    <p:sldId id="271" r:id="rId10"/>
     <p:sldId id="276" r:id="rId11"/>
     <p:sldId id="277" r:id="rId12"/>
-    <p:sldId id="278" r:id="rId13"/>
-    <p:sldId id="274" r:id="rId14"/>
+    <p:sldId id="275" r:id="rId13"/>
+    <p:sldId id="278" r:id="rId14"/>
+    <p:sldId id="274" r:id="rId15"/>
   </p:sldIdLst>
   <p:sldSz cx="9144000" cy="6858000" type="screen4x3"/>
   <p:notesSz cx="6858000" cy="9144000"/>
@@ -518,7 +519,7 @@
             <a:fld id="{81174F84-7A56-4EBE-A4F9-513CBF214038}" type="datetimeFigureOut">
               <a:rPr lang="en-US" smtClean="0"/>
               <a:pPr/>
-              <a:t>4/19/2023</a:t>
+              <a:t>5/2/2023</a:t>
             </a:fld>
             <a:endParaRPr lang="en-US"/>
           </a:p>
@@ -684,7 +685,7 @@
             <a:fld id="{81174F84-7A56-4EBE-A4F9-513CBF214038}" type="datetimeFigureOut">
               <a:rPr lang="en-US" smtClean="0"/>
               <a:pPr/>
-              <a:t>4/19/2023</a:t>
+              <a:t>5/2/2023</a:t>
             </a:fld>
             <a:endParaRPr lang="en-US"/>
           </a:p>
@@ -860,7 +861,7 @@
             <a:fld id="{81174F84-7A56-4EBE-A4F9-513CBF214038}" type="datetimeFigureOut">
               <a:rPr lang="en-US" smtClean="0"/>
               <a:pPr/>
-              <a:t>4/19/2023</a:t>
+              <a:t>5/2/2023</a:t>
             </a:fld>
             <a:endParaRPr lang="en-US"/>
           </a:p>
@@ -1030,7 +1031,7 @@
             <a:fld id="{81174F84-7A56-4EBE-A4F9-513CBF214038}" type="datetimeFigureOut">
               <a:rPr lang="en-US" smtClean="0"/>
               <a:pPr/>
-              <a:t>4/19/2023</a:t>
+              <a:t>5/2/2023</a:t>
             </a:fld>
             <a:endParaRPr lang="en-US"/>
           </a:p>
@@ -1486,7 +1487,7 @@
             <a:fld id="{81174F84-7A56-4EBE-A4F9-513CBF214038}" type="datetimeFigureOut">
               <a:rPr lang="en-US" smtClean="0"/>
               <a:pPr/>
-              <a:t>4/19/2023</a:t>
+              <a:t>5/2/2023</a:t>
             </a:fld>
             <a:endParaRPr lang="en-US"/>
           </a:p>
@@ -1751,7 +1752,7 @@
             <a:fld id="{81174F84-7A56-4EBE-A4F9-513CBF214038}" type="datetimeFigureOut">
               <a:rPr lang="en-US" smtClean="0"/>
               <a:pPr/>
-              <a:t>4/19/2023</a:t>
+              <a:t>5/2/2023</a:t>
             </a:fld>
             <a:endParaRPr lang="en-US"/>
           </a:p>
@@ -2126,7 +2127,7 @@
             <a:fld id="{81174F84-7A56-4EBE-A4F9-513CBF214038}" type="datetimeFigureOut">
               <a:rPr lang="en-US" smtClean="0"/>
               <a:pPr/>
-              <a:t>4/19/2023</a:t>
+              <a:t>5/2/2023</a:t>
             </a:fld>
             <a:endParaRPr lang="en-US"/>
           </a:p>
@@ -2249,7 +2250,7 @@
             <a:fld id="{81174F84-7A56-4EBE-A4F9-513CBF214038}" type="datetimeFigureOut">
               <a:rPr lang="en-US" smtClean="0"/>
               <a:pPr/>
-              <a:t>4/19/2023</a:t>
+              <a:t>5/2/2023</a:t>
             </a:fld>
             <a:endParaRPr lang="en-US"/>
           </a:p>
@@ -2341,7 +2342,7 @@
             <a:fld id="{81174F84-7A56-4EBE-A4F9-513CBF214038}" type="datetimeFigureOut">
               <a:rPr lang="en-US" smtClean="0"/>
               <a:pPr/>
-              <a:t>4/19/2023</a:t>
+              <a:t>5/2/2023</a:t>
             </a:fld>
             <a:endParaRPr lang="en-US"/>
           </a:p>
@@ -2591,7 +2592,7 @@
             <a:fld id="{81174F84-7A56-4EBE-A4F9-513CBF214038}" type="datetimeFigureOut">
               <a:rPr lang="en-US" smtClean="0"/>
               <a:pPr/>
-              <a:t>4/19/2023</a:t>
+              <a:t>5/2/2023</a:t>
             </a:fld>
             <a:endParaRPr lang="en-US"/>
           </a:p>
@@ -2851,7 +2852,7 @@
             <a:fld id="{81174F84-7A56-4EBE-A4F9-513CBF214038}" type="datetimeFigureOut">
               <a:rPr lang="en-US" smtClean="0"/>
               <a:pPr/>
-              <a:t>4/19/2023</a:t>
+              <a:t>5/2/2023</a:t>
             </a:fld>
             <a:endParaRPr lang="en-US"/>
           </a:p>
@@ -3255,7 +3256,7 @@
             <a:fld id="{81174F84-7A56-4EBE-A4F9-513CBF214038}" type="datetimeFigureOut">
               <a:rPr lang="en-US" smtClean="0"/>
               <a:pPr/>
-              <a:t>4/19/2023</a:t>
+              <a:t>5/2/2023</a:t>
             </a:fld>
             <a:endParaRPr lang="en-US"/>
           </a:p>
@@ -3798,6 +3799,41 @@
           <a:bodyPr/>
           <a:lstStyle/>
           <a:p>
+            <a:r>
+              <a:rPr lang="en-US" dirty="0"/>
+              <a:t>Everything from the UI Mockup</a:t>
+            </a:r>
+          </a:p>
+          <a:p>
+            <a:r>
+              <a:rPr lang="en-US" dirty="0"/>
+              <a:t>Added an Admin page</a:t>
+            </a:r>
+          </a:p>
+          <a:p>
+            <a:pPr lvl="1"/>
+            <a:r>
+              <a:rPr lang="en-US" dirty="0"/>
+              <a:t>You can make others admin </a:t>
+            </a:r>
+          </a:p>
+          <a:p>
+            <a:pPr lvl="1"/>
+            <a:r>
+              <a:rPr lang="en-US" dirty="0"/>
+              <a:t>Also delete users</a:t>
+            </a:r>
+          </a:p>
+          <a:p>
+            <a:r>
+              <a:rPr lang="en-US" dirty="0"/>
+              <a:t>Instead of searching for a stock, you can just click on it for more info</a:t>
+            </a:r>
+          </a:p>
+          <a:p>
+            <a:pPr marL="448056" lvl="1" indent="0">
+              <a:buNone/>
+            </a:pPr>
             <a:endParaRPr lang="en-US" dirty="0"/>
           </a:p>
         </p:txBody>
@@ -3878,10 +3914,50 @@
         </p:nvSpPr>
         <p:spPr/>
         <p:txBody>
-          <a:bodyPr/>
-          <a:lstStyle/>
-          <a:p>
-            <a:endParaRPr lang="en-US"/>
+          <a:bodyPr>
+            <a:normAutofit fontScale="92500" lnSpcReduction="10000"/>
+          </a:bodyPr>
+          <a:lstStyle/>
+          <a:p>
+            <a:r>
+              <a:rPr lang="en-US" dirty="0"/>
+              <a:t>I learned how to fetch from public APIs other than ones I created myself</a:t>
+            </a:r>
+          </a:p>
+          <a:p>
+            <a:r>
+              <a:rPr lang="en-US" dirty="0"/>
+              <a:t>Learned much more about parent and child components with React</a:t>
+            </a:r>
+          </a:p>
+          <a:p>
+            <a:r>
+              <a:rPr lang="en-US" dirty="0"/>
+              <a:t>Learned how to host a website and how to host a server online as well.</a:t>
+            </a:r>
+          </a:p>
+          <a:p>
+            <a:r>
+              <a:rPr lang="en-US" dirty="0"/>
+              <a:t>Brought a full web app to life from start to finish.</a:t>
+            </a:r>
+          </a:p>
+          <a:p>
+            <a:r>
+              <a:rPr lang="en-US" dirty="0"/>
+              <a:t>Gotten much more familiar with </a:t>
+            </a:r>
+            <a:r>
+              <a:rPr lang="en-US" dirty="0" err="1"/>
+              <a:t>Javascript</a:t>
+            </a:r>
+            <a:endParaRPr lang="en-US" dirty="0"/>
+          </a:p>
+          <a:p>
+            <a:r>
+              <a:rPr lang="en-US" dirty="0"/>
+              <a:t>Learned much more about a SQL database</a:t>
+            </a:r>
           </a:p>
         </p:txBody>
       </p:sp>
@@ -3920,7 +3996,7 @@
           <p:cNvPr id="2" name="Title 1">
             <a:extLst>
               <a:ext uri="{FF2B5EF4-FFF2-40B4-BE49-F238E27FC236}">
-                <a16:creationId xmlns:a16="http://schemas.microsoft.com/office/drawing/2014/main" id="{718E4A59-CB85-B712-6B61-211473BAEC38}"/>
+                <a16:creationId xmlns:a16="http://schemas.microsoft.com/office/drawing/2014/main" id="{B9E67C1C-5416-CD0C-BCE1-EBC78C8CEBF7}"/>
               </a:ext>
             </a:extLst>
           </p:cNvPr>
@@ -3938,7 +4014,7 @@
           <a:p>
             <a:r>
               <a:rPr lang="en-US" dirty="0"/>
-              <a:t>What I delivered</a:t>
+              <a:t>Demo</a:t>
             </a:r>
           </a:p>
         </p:txBody>
@@ -3948,7 +4024,7 @@
           <p:cNvPr id="3" name="Content Placeholder 2">
             <a:extLst>
               <a:ext uri="{FF2B5EF4-FFF2-40B4-BE49-F238E27FC236}">
-                <a16:creationId xmlns:a16="http://schemas.microsoft.com/office/drawing/2014/main" id="{5770CF44-98BD-A000-9423-328E66538187}"/>
+                <a16:creationId xmlns:a16="http://schemas.microsoft.com/office/drawing/2014/main" id="{B582F543-5D05-D465-4AE5-AB29EE095861}"/>
               </a:ext>
             </a:extLst>
           </p:cNvPr>
@@ -3964,14 +4040,33 @@
           <a:bodyPr/>
           <a:lstStyle/>
           <a:p>
-            <a:endParaRPr lang="en-US"/>
+            <a:r>
+              <a:rPr lang="en-US" dirty="0"/>
+              <a:t>Frontend</a:t>
+            </a:r>
+          </a:p>
+          <a:p>
+            <a:r>
+              <a:rPr lang="en-US" dirty="0"/>
+              <a:t>Backend</a:t>
+            </a:r>
+          </a:p>
+          <a:p>
+            <a:r>
+              <a:rPr lang="en-US" dirty="0" err="1"/>
+              <a:t>Github</a:t>
+            </a:r>
+            <a:r>
+              <a:rPr lang="en-US" dirty="0"/>
+              <a:t> / Version Control</a:t>
+            </a:r>
           </a:p>
         </p:txBody>
       </p:sp>
     </p:spTree>
     <p:extLst>
       <p:ext uri="{BB962C8B-B14F-4D97-AF65-F5344CB8AC3E}">
-        <p14:creationId xmlns:p14="http://schemas.microsoft.com/office/powerpoint/2010/main" val="2525640229"/>
+        <p14:creationId xmlns:p14="http://schemas.microsoft.com/office/powerpoint/2010/main" val="2718714678"/>
       </p:ext>
     </p:extLst>
   </p:cSld>
@@ -4000,6 +4095,152 @@
       </p:grpSpPr>
       <p:sp>
         <p:nvSpPr>
+          <p:cNvPr id="2" name="Title 1">
+            <a:extLst>
+              <a:ext uri="{FF2B5EF4-FFF2-40B4-BE49-F238E27FC236}">
+                <a16:creationId xmlns:a16="http://schemas.microsoft.com/office/drawing/2014/main" id="{718E4A59-CB85-B712-6B61-211473BAEC38}"/>
+              </a:ext>
+            </a:extLst>
+          </p:cNvPr>
+          <p:cNvSpPr>
+            <a:spLocks noGrp="1"/>
+          </p:cNvSpPr>
+          <p:nvPr>
+            <p:ph type="title"/>
+          </p:nvPr>
+        </p:nvSpPr>
+        <p:spPr/>
+        <p:txBody>
+          <a:bodyPr/>
+          <a:lstStyle/>
+          <a:p>
+            <a:r>
+              <a:rPr lang="en-US" dirty="0"/>
+              <a:t>What I delivered</a:t>
+            </a:r>
+          </a:p>
+        </p:txBody>
+      </p:sp>
+      <p:sp>
+        <p:nvSpPr>
+          <p:cNvPr id="3" name="Content Placeholder 2">
+            <a:extLst>
+              <a:ext uri="{FF2B5EF4-FFF2-40B4-BE49-F238E27FC236}">
+                <a16:creationId xmlns:a16="http://schemas.microsoft.com/office/drawing/2014/main" id="{5770CF44-98BD-A000-9423-328E66538187}"/>
+              </a:ext>
+            </a:extLst>
+          </p:cNvPr>
+          <p:cNvSpPr>
+            <a:spLocks noGrp="1"/>
+          </p:cNvSpPr>
+          <p:nvPr>
+            <p:ph idx="1"/>
+          </p:nvPr>
+        </p:nvSpPr>
+        <p:spPr/>
+        <p:txBody>
+          <a:bodyPr/>
+          <a:lstStyle/>
+          <a:p>
+            <a:r>
+              <a:rPr lang="en-US" dirty="0"/>
+              <a:t>Original proposal of CSC 520</a:t>
+            </a:r>
+          </a:p>
+          <a:p>
+            <a:r>
+              <a:rPr lang="en-US" dirty="0"/>
+              <a:t>System architecture diagrams</a:t>
+            </a:r>
+          </a:p>
+          <a:p>
+            <a:r>
+              <a:rPr lang="en-US" dirty="0"/>
+              <a:t>Objectives</a:t>
+            </a:r>
+          </a:p>
+          <a:p>
+            <a:r>
+              <a:rPr lang="en-US" dirty="0"/>
+              <a:t>Benchmarks</a:t>
+            </a:r>
+          </a:p>
+          <a:p>
+            <a:r>
+              <a:rPr lang="en-US" dirty="0"/>
+              <a:t>Database Design</a:t>
+            </a:r>
+          </a:p>
+          <a:p>
+            <a:r>
+              <a:rPr lang="en-US" dirty="0"/>
+              <a:t>UI Mockup</a:t>
+            </a:r>
+          </a:p>
+          <a:p>
+            <a:r>
+              <a:rPr lang="en-US" dirty="0"/>
+              <a:t>Demo of the Project</a:t>
+            </a:r>
+          </a:p>
+          <a:p>
+            <a:r>
+              <a:rPr lang="en-US" dirty="0"/>
+              <a:t>Tools used</a:t>
+            </a:r>
+          </a:p>
+          <a:p>
+            <a:endParaRPr lang="en-US" dirty="0"/>
+          </a:p>
+          <a:p>
+            <a:endParaRPr lang="en-US" dirty="0"/>
+          </a:p>
+          <a:p>
+            <a:endParaRPr lang="en-US" dirty="0"/>
+          </a:p>
+          <a:p>
+            <a:endParaRPr lang="en-US" dirty="0"/>
+          </a:p>
+          <a:p>
+            <a:endParaRPr lang="en-US" dirty="0"/>
+          </a:p>
+          <a:p>
+            <a:endParaRPr lang="en-US" dirty="0"/>
+          </a:p>
+        </p:txBody>
+      </p:sp>
+    </p:spTree>
+    <p:extLst>
+      <p:ext uri="{BB962C8B-B14F-4D97-AF65-F5344CB8AC3E}">
+        <p14:creationId xmlns:p14="http://schemas.microsoft.com/office/powerpoint/2010/main" val="2525640229"/>
+      </p:ext>
+    </p:extLst>
+  </p:cSld>
+  <p:clrMapOvr>
+    <a:masterClrMapping/>
+  </p:clrMapOvr>
+</p:sld>
+</file>
+
+<file path=ppt/slides/slide14.xml><?xml version="1.0" encoding="utf-8"?>
+<p:sld xmlns:a="http://schemas.openxmlformats.org/drawingml/2006/main" xmlns:r="http://schemas.openxmlformats.org/officeDocument/2006/relationships" xmlns:p="http://schemas.openxmlformats.org/presentationml/2006/main">
+  <p:cSld>
+    <p:spTree>
+      <p:nvGrpSpPr>
+        <p:cNvPr id="1" name=""/>
+        <p:cNvGrpSpPr/>
+        <p:nvPr/>
+      </p:nvGrpSpPr>
+      <p:grpSpPr>
+        <a:xfrm>
+          <a:off x="0" y="0"/>
+          <a:ext cx="0" cy="0"/>
+          <a:chOff x="0" y="0"/>
+          <a:chExt cx="0" cy="0"/>
+        </a:xfrm>
+      </p:grpSpPr>
+      <p:sp>
+        <p:nvSpPr>
           <p:cNvPr id="2" name="Title 1"/>
           <p:cNvSpPr>
             <a:spLocks noGrp="1"/>
@@ -4333,7 +4574,7 @@
           <a:p>
             <a:r>
               <a:rPr lang="en-US" dirty="0"/>
-              <a:t>Possibly try to connect this to AWS to run it 24/7</a:t>
+              <a:t>Try to run the web app online</a:t>
             </a:r>
           </a:p>
           <a:p>
@@ -4419,14 +4660,7 @@
             <a:pPr lvl="1"/>
             <a:r>
               <a:rPr lang="en-US" dirty="0"/>
-              <a:t>Transactions</a:t>
-            </a:r>
-          </a:p>
-          <a:p>
-            <a:pPr lvl="1"/>
-            <a:r>
-              <a:rPr lang="en-US" dirty="0"/>
-              <a:t>Expenses</a:t>
+              <a:t>Transactions and Expenses</a:t>
             </a:r>
           </a:p>
           <a:p>
@@ -4457,6 +4691,282 @@
 </file>
 
 <file path=ppt/slides/slide5.xml><?xml version="1.0" encoding="utf-8"?>
+<p:sld xmlns:a="http://schemas.openxmlformats.org/drawingml/2006/main" xmlns:r="http://schemas.openxmlformats.org/officeDocument/2006/relationships" xmlns:p="http://schemas.openxmlformats.org/presentationml/2006/main">
+  <p:cSld>
+    <p:spTree>
+      <p:nvGrpSpPr>
+        <p:cNvPr id="1" name=""/>
+        <p:cNvGrpSpPr/>
+        <p:nvPr/>
+      </p:nvGrpSpPr>
+      <p:grpSpPr>
+        <a:xfrm>
+          <a:off x="0" y="0"/>
+          <a:ext cx="0" cy="0"/>
+          <a:chOff x="0" y="0"/>
+          <a:chExt cx="0" cy="0"/>
+        </a:xfrm>
+      </p:grpSpPr>
+      <p:sp>
+        <p:nvSpPr>
+          <p:cNvPr id="2" name="Title 1"/>
+          <p:cNvSpPr>
+            <a:spLocks noGrp="1"/>
+          </p:cNvSpPr>
+          <p:nvPr>
+            <p:ph type="title"/>
+          </p:nvPr>
+        </p:nvSpPr>
+        <p:spPr/>
+        <p:txBody>
+          <a:bodyPr>
+            <a:noAutofit/>
+          </a:bodyPr>
+          <a:lstStyle/>
+          <a:p>
+            <a:r>
+              <a:rPr lang="en-US" sz="3900" dirty="0"/>
+              <a:t>Tools Used</a:t>
+            </a:r>
+          </a:p>
+        </p:txBody>
+      </p:sp>
+      <p:sp>
+        <p:nvSpPr>
+          <p:cNvPr id="3" name="Content Placeholder 2"/>
+          <p:cNvSpPr>
+            <a:spLocks noGrp="1"/>
+          </p:cNvSpPr>
+          <p:nvPr>
+            <p:ph idx="1"/>
+          </p:nvPr>
+        </p:nvSpPr>
+        <p:spPr/>
+        <p:txBody>
+          <a:bodyPr>
+            <a:normAutofit fontScale="55000" lnSpcReduction="20000"/>
+          </a:bodyPr>
+          <a:lstStyle/>
+          <a:p>
+            <a:r>
+              <a:rPr lang="en-US" dirty="0"/>
+              <a:t>Programming Language</a:t>
+            </a:r>
+          </a:p>
+          <a:p>
+            <a:pPr lvl="1"/>
+            <a:r>
+              <a:rPr lang="en-US" dirty="0" err="1"/>
+              <a:t>Javascript</a:t>
+            </a:r>
+            <a:endParaRPr lang="en-US" dirty="0"/>
+          </a:p>
+          <a:p>
+            <a:r>
+              <a:rPr lang="en-US" dirty="0"/>
+              <a:t>IDEs</a:t>
+            </a:r>
+          </a:p>
+          <a:p>
+            <a:pPr lvl="1"/>
+            <a:r>
+              <a:rPr lang="en-US" dirty="0"/>
+              <a:t>Visual Studio Code</a:t>
+            </a:r>
+          </a:p>
+          <a:p>
+            <a:r>
+              <a:rPr lang="en-US" dirty="0"/>
+              <a:t>Backend</a:t>
+            </a:r>
+          </a:p>
+          <a:p>
+            <a:pPr lvl="1"/>
+            <a:r>
+              <a:rPr lang="en-US" dirty="0"/>
+              <a:t>Node.js, Express</a:t>
+            </a:r>
+          </a:p>
+          <a:p>
+            <a:r>
+              <a:rPr lang="en-US" dirty="0"/>
+              <a:t>Frontend</a:t>
+            </a:r>
+          </a:p>
+          <a:p>
+            <a:pPr lvl="1"/>
+            <a:r>
+              <a:rPr lang="en-US" dirty="0"/>
+              <a:t>React-Bootstrap, CSS</a:t>
+            </a:r>
+          </a:p>
+          <a:p>
+            <a:r>
+              <a:rPr lang="en-US" dirty="0"/>
+              <a:t>Database</a:t>
+            </a:r>
+          </a:p>
+          <a:p>
+            <a:pPr lvl="1"/>
+            <a:r>
+              <a:rPr lang="en-US" dirty="0" err="1"/>
+              <a:t>MySQL</a:t>
+            </a:r>
+            <a:endParaRPr lang="en-US" dirty="0"/>
+          </a:p>
+          <a:p>
+            <a:r>
+              <a:rPr lang="en-US" dirty="0"/>
+              <a:t>OS</a:t>
+            </a:r>
+          </a:p>
+          <a:p>
+            <a:pPr lvl="1"/>
+            <a:r>
+              <a:rPr lang="en-US" dirty="0"/>
+              <a:t>Windows </a:t>
+            </a:r>
+          </a:p>
+          <a:p>
+            <a:r>
+              <a:rPr lang="en-US" dirty="0"/>
+              <a:t>Project Management Tools</a:t>
+            </a:r>
+          </a:p>
+          <a:p>
+            <a:pPr lvl="1"/>
+            <a:r>
+              <a:rPr lang="en-US" dirty="0" err="1"/>
+              <a:t>Trello</a:t>
+            </a:r>
+            <a:r>
+              <a:rPr lang="en-US" dirty="0"/>
+              <a:t> </a:t>
+            </a:r>
+          </a:p>
+          <a:p>
+            <a:pPr lvl="1"/>
+            <a:r>
+              <a:rPr lang="en-US" dirty="0"/>
+              <a:t>https://trello.com/b/cE22K4xL/jacksons-capstone-project</a:t>
+            </a:r>
+          </a:p>
+          <a:p>
+            <a:r>
+              <a:rPr lang="en-US" dirty="0"/>
+              <a:t>Source Control Tool</a:t>
+            </a:r>
+          </a:p>
+          <a:p>
+            <a:pPr lvl="1"/>
+            <a:r>
+              <a:rPr lang="en-US" dirty="0" err="1"/>
+              <a:t>Github</a:t>
+            </a:r>
+            <a:endParaRPr lang="en-US" dirty="0"/>
+          </a:p>
+          <a:p>
+            <a:pPr lvl="1"/>
+            <a:r>
+              <a:rPr lang="en-US" dirty="0"/>
+              <a:t>https://github.com/JackD27</a:t>
+            </a:r>
+          </a:p>
+        </p:txBody>
+      </p:sp>
+    </p:spTree>
+  </p:cSld>
+  <p:clrMapOvr>
+    <a:masterClrMapping/>
+  </p:clrMapOvr>
+</p:sld>
+</file>
+
+<file path=ppt/slides/slide6.xml><?xml version="1.0" encoding="utf-8"?>
+<p:sld xmlns:a="http://schemas.openxmlformats.org/drawingml/2006/main" xmlns:r="http://schemas.openxmlformats.org/officeDocument/2006/relationships" xmlns:p="http://schemas.openxmlformats.org/presentationml/2006/main">
+  <p:cSld>
+    <p:spTree>
+      <p:nvGrpSpPr>
+        <p:cNvPr id="1" name=""/>
+        <p:cNvGrpSpPr/>
+        <p:nvPr/>
+      </p:nvGrpSpPr>
+      <p:grpSpPr>
+        <a:xfrm>
+          <a:off x="0" y="0"/>
+          <a:ext cx="0" cy="0"/>
+          <a:chOff x="0" y="0"/>
+          <a:chExt cx="0" cy="0"/>
+        </a:xfrm>
+      </p:grpSpPr>
+      <p:sp>
+        <p:nvSpPr>
+          <p:cNvPr id="2" name="Title 1"/>
+          <p:cNvSpPr>
+            <a:spLocks noGrp="1"/>
+          </p:cNvSpPr>
+          <p:nvPr>
+            <p:ph type="title"/>
+          </p:nvPr>
+        </p:nvSpPr>
+        <p:spPr/>
+        <p:txBody>
+          <a:bodyPr>
+            <a:normAutofit/>
+          </a:bodyPr>
+          <a:lstStyle/>
+          <a:p>
+            <a:r>
+              <a:rPr lang="en-US" dirty="0"/>
+              <a:t>Preliminary Database Design</a:t>
+            </a:r>
+          </a:p>
+        </p:txBody>
+      </p:sp>
+      <p:pic>
+        <p:nvPicPr>
+          <p:cNvPr id="1026" name="Picture 2"/>
+          <p:cNvPicPr>
+            <a:picLocks noGrp="1" noChangeAspect="1" noChangeArrowheads="1"/>
+          </p:cNvPicPr>
+          <p:nvPr>
+            <p:ph idx="1"/>
+          </p:nvPr>
+        </p:nvPicPr>
+        <p:blipFill>
+          <a:blip r:embed="rId2"/>
+          <a:srcRect/>
+          <a:stretch>
+            <a:fillRect/>
+          </a:stretch>
+        </p:blipFill>
+        <p:spPr bwMode="auto">
+          <a:xfrm>
+            <a:off x="990600" y="1295400"/>
+            <a:ext cx="7162800" cy="5434043"/>
+          </a:xfrm>
+          <a:prstGeom prst="rect">
+            <a:avLst/>
+          </a:prstGeom>
+          <a:noFill/>
+          <a:ln w="9525">
+            <a:noFill/>
+            <a:miter lim="800000"/>
+            <a:headEnd/>
+            <a:tailEnd/>
+          </a:ln>
+          <a:effectLst/>
+        </p:spPr>
+      </p:pic>
+    </p:spTree>
+  </p:cSld>
+  <p:clrMapOvr>
+    <a:masterClrMapping/>
+  </p:clrMapOvr>
+</p:sld>
+</file>
+
+<file path=ppt/slides/slide7.xml><?xml version="1.0" encoding="utf-8"?>
 <p:sld xmlns:a="http://schemas.openxmlformats.org/drawingml/2006/main" xmlns:r="http://schemas.openxmlformats.org/officeDocument/2006/relationships" xmlns:p="http://schemas.openxmlformats.org/presentationml/2006/main">
   <p:cSld>
     <p:spTree>
@@ -4537,7 +5047,7 @@
 </p:sld>
 </file>
 
-<file path=ppt/slides/slide6.xml><?xml version="1.0" encoding="utf-8"?>
+<file path=ppt/slides/slide8.xml><?xml version="1.0" encoding="utf-8"?>
 <p:sld xmlns:a="http://schemas.openxmlformats.org/drawingml/2006/main" xmlns:r="http://schemas.openxmlformats.org/officeDocument/2006/relationships" xmlns:p="http://schemas.openxmlformats.org/presentationml/2006/main">
   <p:cSld>
     <p:spTree>
@@ -4618,257 +5128,6 @@
 </p:sld>
 </file>
 
-<file path=ppt/slides/slide7.xml><?xml version="1.0" encoding="utf-8"?>
-<p:sld xmlns:a="http://schemas.openxmlformats.org/drawingml/2006/main" xmlns:r="http://schemas.openxmlformats.org/officeDocument/2006/relationships" xmlns:p="http://schemas.openxmlformats.org/presentationml/2006/main">
-  <p:cSld>
-    <p:spTree>
-      <p:nvGrpSpPr>
-        <p:cNvPr id="1" name=""/>
-        <p:cNvGrpSpPr/>
-        <p:nvPr/>
-      </p:nvGrpSpPr>
-      <p:grpSpPr>
-        <a:xfrm>
-          <a:off x="0" y="0"/>
-          <a:ext cx="0" cy="0"/>
-          <a:chOff x="0" y="0"/>
-          <a:chExt cx="0" cy="0"/>
-        </a:xfrm>
-      </p:grpSpPr>
-      <p:sp>
-        <p:nvSpPr>
-          <p:cNvPr id="2" name="Title 1">
-            <a:extLst>
-              <a:ext uri="{FF2B5EF4-FFF2-40B4-BE49-F238E27FC236}">
-                <a16:creationId xmlns:a16="http://schemas.microsoft.com/office/drawing/2014/main" id="{B9E67C1C-5416-CD0C-BCE1-EBC78C8CEBF7}"/>
-              </a:ext>
-            </a:extLst>
-          </p:cNvPr>
-          <p:cNvSpPr>
-            <a:spLocks noGrp="1"/>
-          </p:cNvSpPr>
-          <p:nvPr>
-            <p:ph type="title"/>
-          </p:nvPr>
-        </p:nvSpPr>
-        <p:spPr/>
-        <p:txBody>
-          <a:bodyPr/>
-          <a:lstStyle/>
-          <a:p>
-            <a:r>
-              <a:rPr lang="en-US" dirty="0"/>
-              <a:t>Demo</a:t>
-            </a:r>
-          </a:p>
-        </p:txBody>
-      </p:sp>
-      <p:sp>
-        <p:nvSpPr>
-          <p:cNvPr id="3" name="Content Placeholder 2">
-            <a:extLst>
-              <a:ext uri="{FF2B5EF4-FFF2-40B4-BE49-F238E27FC236}">
-                <a16:creationId xmlns:a16="http://schemas.microsoft.com/office/drawing/2014/main" id="{B582F543-5D05-D465-4AE5-AB29EE095861}"/>
-              </a:ext>
-            </a:extLst>
-          </p:cNvPr>
-          <p:cNvSpPr>
-            <a:spLocks noGrp="1"/>
-          </p:cNvSpPr>
-          <p:nvPr>
-            <p:ph idx="1"/>
-          </p:nvPr>
-        </p:nvSpPr>
-        <p:spPr/>
-        <p:txBody>
-          <a:bodyPr/>
-          <a:lstStyle/>
-          <a:p>
-            <a:r>
-              <a:rPr lang="en-US" dirty="0"/>
-              <a:t>Frontend</a:t>
-            </a:r>
-          </a:p>
-          <a:p>
-            <a:r>
-              <a:rPr lang="en-US" dirty="0"/>
-              <a:t>Backend</a:t>
-            </a:r>
-          </a:p>
-          <a:p>
-            <a:r>
-              <a:rPr lang="en-US" dirty="0" err="1"/>
-              <a:t>Github</a:t>
-            </a:r>
-            <a:r>
-              <a:rPr lang="en-US" dirty="0"/>
-              <a:t> / Version Control</a:t>
-            </a:r>
-          </a:p>
-        </p:txBody>
-      </p:sp>
-    </p:spTree>
-    <p:extLst>
-      <p:ext uri="{BB962C8B-B14F-4D97-AF65-F5344CB8AC3E}">
-        <p14:creationId xmlns:p14="http://schemas.microsoft.com/office/powerpoint/2010/main" val="2718714678"/>
-      </p:ext>
-    </p:extLst>
-  </p:cSld>
-  <p:clrMapOvr>
-    <a:masterClrMapping/>
-  </p:clrMapOvr>
-</p:sld>
-</file>
-
-<file path=ppt/slides/slide8.xml><?xml version="1.0" encoding="utf-8"?>
-<p:sld xmlns:a="http://schemas.openxmlformats.org/drawingml/2006/main" xmlns:r="http://schemas.openxmlformats.org/officeDocument/2006/relationships" xmlns:p="http://schemas.openxmlformats.org/presentationml/2006/main">
-  <p:cSld>
-    <p:spTree>
-      <p:nvGrpSpPr>
-        <p:cNvPr id="1" name=""/>
-        <p:cNvGrpSpPr/>
-        <p:nvPr/>
-      </p:nvGrpSpPr>
-      <p:grpSpPr>
-        <a:xfrm>
-          <a:off x="0" y="0"/>
-          <a:ext cx="0" cy="0"/>
-          <a:chOff x="0" y="0"/>
-          <a:chExt cx="0" cy="0"/>
-        </a:xfrm>
-      </p:grpSpPr>
-      <p:sp>
-        <p:nvSpPr>
-          <p:cNvPr id="2" name="Title 1"/>
-          <p:cNvSpPr>
-            <a:spLocks noGrp="1"/>
-          </p:cNvSpPr>
-          <p:nvPr>
-            <p:ph type="title"/>
-          </p:nvPr>
-        </p:nvSpPr>
-        <p:spPr/>
-        <p:txBody>
-          <a:bodyPr/>
-          <a:lstStyle/>
-          <a:p>
-            <a:r>
-              <a:rPr lang="en-US" dirty="0"/>
-              <a:t>Benchmark </a:t>
-            </a:r>
-            <a:r>
-              <a:rPr lang="en-US" dirty="0" err="1"/>
-              <a:t>Specifcation</a:t>
-            </a:r>
-            <a:endParaRPr lang="en-US" dirty="0"/>
-          </a:p>
-        </p:txBody>
-      </p:sp>
-      <p:sp>
-        <p:nvSpPr>
-          <p:cNvPr id="3" name="Content Placeholder 2"/>
-          <p:cNvSpPr>
-            <a:spLocks noGrp="1"/>
-          </p:cNvSpPr>
-          <p:nvPr>
-            <p:ph idx="1"/>
-          </p:nvPr>
-        </p:nvSpPr>
-        <p:spPr/>
-        <p:txBody>
-          <a:bodyPr>
-            <a:normAutofit fontScale="77500" lnSpcReduction="20000"/>
-          </a:bodyPr>
-          <a:lstStyle/>
-          <a:p>
-            <a:r>
-              <a:rPr lang="en-US" sz="3400" b="1" dirty="0"/>
-              <a:t>Benchmark 1</a:t>
-            </a:r>
-            <a:r>
-              <a:rPr lang="en-US" sz="3400" dirty="0"/>
-              <a:t>:Database Setup and Testing</a:t>
-            </a:r>
-          </a:p>
-          <a:p>
-            <a:r>
-              <a:rPr lang="en-US" sz="3400" b="1" dirty="0"/>
-              <a:t>Benchmark 2</a:t>
-            </a:r>
-            <a:r>
-              <a:rPr lang="en-US" sz="3400" dirty="0"/>
-              <a:t>: User Signup/Login and Testing</a:t>
-            </a:r>
-          </a:p>
-          <a:p>
-            <a:r>
-              <a:rPr lang="en-US" sz="3400" b="1" dirty="0"/>
-              <a:t>Benchmark 3</a:t>
-            </a:r>
-            <a:r>
-              <a:rPr lang="en-US" sz="3400" dirty="0"/>
-              <a:t>:Transaction Service and Testing</a:t>
-            </a:r>
-          </a:p>
-          <a:p>
-            <a:r>
-              <a:rPr lang="en-US" sz="3400" b="1" dirty="0"/>
-              <a:t>Benchmark 4</a:t>
-            </a:r>
-            <a:r>
-              <a:rPr lang="en-US" sz="3400" dirty="0"/>
-              <a:t>:Stock Service and Testing</a:t>
-            </a:r>
-          </a:p>
-          <a:p>
-            <a:r>
-              <a:rPr lang="en-US" sz="3400" b="1" dirty="0"/>
-              <a:t>Benchmark 5</a:t>
-            </a:r>
-            <a:r>
-              <a:rPr lang="en-US" sz="3400" dirty="0"/>
-              <a:t>: GUI Design</a:t>
-            </a:r>
-          </a:p>
-          <a:p>
-            <a:r>
-              <a:rPr lang="en-US" sz="3400" b="1" dirty="0"/>
-              <a:t>Benchmark 6</a:t>
-            </a:r>
-            <a:r>
-              <a:rPr lang="en-US" sz="3400" dirty="0"/>
-              <a:t>: Notification/Recommendation System and Testing</a:t>
-            </a:r>
-          </a:p>
-          <a:p>
-            <a:r>
-              <a:rPr lang="en-US" sz="3400" b="1" dirty="0"/>
-              <a:t>Benchmark 7</a:t>
-            </a:r>
-            <a:r>
-              <a:rPr lang="en-US" sz="3400" dirty="0"/>
-              <a:t>: Integration Testing</a:t>
-            </a:r>
-          </a:p>
-          <a:p>
-            <a:endParaRPr lang="en-US" sz="3400" dirty="0"/>
-          </a:p>
-          <a:p>
-            <a:r>
-              <a:rPr lang="en-US" sz="3400" dirty="0"/>
-              <a:t>ALL FINISHED</a:t>
-            </a:r>
-          </a:p>
-        </p:txBody>
-      </p:sp>
-    </p:spTree>
-  </p:cSld>
-  <p:clrMapOvr>
-    <a:masterClrMapping/>
-  </p:clrMapOvr>
-</p:sld>
-</file>
-
 <file path=ppt/slides/slide9.xml><?xml version="1.0" encoding="utf-8"?>
 <p:sld xmlns:a="http://schemas.openxmlformats.org/drawingml/2006/main" xmlns:r="http://schemas.openxmlformats.org/officeDocument/2006/relationships" xmlns:p="http://schemas.openxmlformats.org/presentationml/2006/main">
   <p:cSld>
@@ -4898,157 +5157,114 @@
         </p:nvSpPr>
         <p:spPr/>
         <p:txBody>
+          <a:bodyPr/>
+          <a:lstStyle/>
+          <a:p>
+            <a:r>
+              <a:rPr lang="en-US" dirty="0"/>
+              <a:t>Benchmark </a:t>
+            </a:r>
+            <a:r>
+              <a:rPr lang="en-US" dirty="0" err="1"/>
+              <a:t>Specifcation</a:t>
+            </a:r>
+            <a:endParaRPr lang="en-US" dirty="0"/>
+          </a:p>
+        </p:txBody>
+      </p:sp>
+      <p:sp>
+        <p:nvSpPr>
+          <p:cNvPr id="3" name="Content Placeholder 2"/>
+          <p:cNvSpPr>
+            <a:spLocks noGrp="1"/>
+          </p:cNvSpPr>
+          <p:nvPr>
+            <p:ph idx="1"/>
+          </p:nvPr>
+        </p:nvSpPr>
+        <p:spPr/>
+        <p:txBody>
           <a:bodyPr>
-            <a:noAutofit/>
+            <a:normAutofit fontScale="77500" lnSpcReduction="20000"/>
           </a:bodyPr>
           <a:lstStyle/>
           <a:p>
             <a:r>
-              <a:rPr lang="en-US" sz="3900" dirty="0"/>
-              <a:t>Tools Used</a:t>
-            </a:r>
-          </a:p>
-        </p:txBody>
-      </p:sp>
-      <p:sp>
-        <p:nvSpPr>
-          <p:cNvPr id="3" name="Content Placeholder 2"/>
-          <p:cNvSpPr>
-            <a:spLocks noGrp="1"/>
-          </p:cNvSpPr>
-          <p:nvPr>
-            <p:ph idx="1"/>
-          </p:nvPr>
-        </p:nvSpPr>
-        <p:spPr/>
-        <p:txBody>
-          <a:bodyPr>
-            <a:normAutofit fontScale="55000" lnSpcReduction="20000"/>
-          </a:bodyPr>
-          <a:lstStyle/>
-          <a:p>
-            <a:r>
-              <a:rPr lang="en-US" dirty="0"/>
-              <a:t>Programming Language</a:t>
-            </a:r>
-          </a:p>
-          <a:p>
-            <a:pPr lvl="1"/>
-            <a:r>
-              <a:rPr lang="en-US" dirty="0" err="1"/>
-              <a:t>Javascript</a:t>
-            </a:r>
-            <a:endParaRPr lang="en-US" dirty="0"/>
-          </a:p>
-          <a:p>
-            <a:r>
-              <a:rPr lang="en-US" dirty="0"/>
-              <a:t>IDEs</a:t>
-            </a:r>
-          </a:p>
-          <a:p>
-            <a:pPr lvl="1"/>
-            <a:r>
-              <a:rPr lang="en-US" dirty="0"/>
-              <a:t>Visual Studio Code</a:t>
-            </a:r>
-          </a:p>
-          <a:p>
-            <a:r>
-              <a:rPr lang="en-US" dirty="0"/>
-              <a:t>Backend</a:t>
-            </a:r>
-          </a:p>
-          <a:p>
-            <a:pPr lvl="1"/>
-            <a:r>
-              <a:rPr lang="en-US" dirty="0"/>
-              <a:t>Node.js, Express</a:t>
-            </a:r>
-          </a:p>
-          <a:p>
-            <a:r>
-              <a:rPr lang="en-US" dirty="0"/>
-              <a:t>Frontend</a:t>
-            </a:r>
-          </a:p>
-          <a:p>
-            <a:pPr lvl="1"/>
-            <a:r>
-              <a:rPr lang="en-US" dirty="0"/>
-              <a:t>React-Bootstrap, CSS</a:t>
-            </a:r>
-          </a:p>
-          <a:p>
-            <a:r>
-              <a:rPr lang="en-US" dirty="0"/>
-              <a:t>Database</a:t>
-            </a:r>
-          </a:p>
-          <a:p>
-            <a:pPr lvl="1"/>
-            <a:r>
-              <a:rPr lang="en-US" dirty="0" err="1"/>
-              <a:t>MySQL</a:t>
-            </a:r>
-            <a:endParaRPr lang="en-US" dirty="0"/>
-          </a:p>
-          <a:p>
-            <a:r>
-              <a:rPr lang="en-US" dirty="0"/>
-              <a:t>OS</a:t>
-            </a:r>
-          </a:p>
-          <a:p>
-            <a:pPr lvl="1"/>
-            <a:r>
-              <a:rPr lang="en-US" dirty="0"/>
-              <a:t>Windows </a:t>
-            </a:r>
-          </a:p>
-          <a:p>
-            <a:r>
-              <a:rPr lang="en-US" dirty="0"/>
-              <a:t>Project Management Tools</a:t>
-            </a:r>
-          </a:p>
-          <a:p>
-            <a:pPr lvl="1"/>
-            <a:r>
-              <a:rPr lang="en-US" dirty="0" err="1"/>
-              <a:t>Trello</a:t>
-            </a:r>
-            <a:r>
-              <a:rPr lang="en-US" dirty="0"/>
-              <a:t> </a:t>
-            </a:r>
-          </a:p>
-          <a:p>
-            <a:pPr lvl="1"/>
-            <a:r>
-              <a:rPr lang="en-US" dirty="0"/>
-              <a:t>https://trello.com/b/cE22K4xL/jacksons-capstone-project</a:t>
-            </a:r>
-          </a:p>
-          <a:p>
-            <a:r>
-              <a:rPr lang="en-US" dirty="0"/>
-              <a:t>Source Control Tool</a:t>
-            </a:r>
-          </a:p>
-          <a:p>
-            <a:pPr lvl="1"/>
-            <a:r>
-              <a:rPr lang="en-US" dirty="0" err="1"/>
-              <a:t>Github</a:t>
-            </a:r>
-            <a:endParaRPr lang="en-US" dirty="0"/>
-          </a:p>
-          <a:p>
-            <a:pPr lvl="1"/>
-            <a:r>
-              <a:rPr lang="en-US" dirty="0"/>
-              <a:t>https://github.com/JackD27</a:t>
+              <a:rPr lang="en-US" sz="3400" b="1" dirty="0"/>
+              <a:t>Benchmark 1</a:t>
+            </a:r>
+            <a:r>
+              <a:rPr lang="en-US" sz="3400" dirty="0"/>
+              <a:t>:Database Setup and Testing</a:t>
+            </a:r>
+          </a:p>
+          <a:p>
+            <a:r>
+              <a:rPr lang="en-US" sz="3400" b="1" dirty="0"/>
+              <a:t>Benchmark 2</a:t>
+            </a:r>
+            <a:r>
+              <a:rPr lang="en-US" sz="3400" dirty="0"/>
+              <a:t>: User Signup/Login and Testing</a:t>
+            </a:r>
+          </a:p>
+          <a:p>
+            <a:r>
+              <a:rPr lang="en-US" sz="3400" b="1" dirty="0"/>
+              <a:t>Benchmark 3</a:t>
+            </a:r>
+            <a:r>
+              <a:rPr lang="en-US" sz="3400" dirty="0"/>
+              <a:t>:Transaction Service and Testing</a:t>
+            </a:r>
+          </a:p>
+          <a:p>
+            <a:r>
+              <a:rPr lang="en-US" sz="3400" b="1" dirty="0"/>
+              <a:t>Benchmark 4</a:t>
+            </a:r>
+            <a:r>
+              <a:rPr lang="en-US" sz="3400" dirty="0"/>
+              <a:t>:Stock Service and Testing</a:t>
+            </a:r>
+          </a:p>
+          <a:p>
+            <a:r>
+              <a:rPr lang="en-US" sz="3400" b="1" dirty="0"/>
+              <a:t>Benchmark 5</a:t>
+            </a:r>
+            <a:r>
+              <a:rPr lang="en-US" sz="3400" dirty="0"/>
+              <a:t>: GUI Design</a:t>
+            </a:r>
+          </a:p>
+          <a:p>
+            <a:r>
+              <a:rPr lang="en-US" sz="3400" b="1" dirty="0"/>
+              <a:t>Benchmark 6</a:t>
+            </a:r>
+            <a:r>
+              <a:rPr lang="en-US" sz="3400" dirty="0"/>
+              <a:t>: Notification/Recommendation System and Testing</a:t>
+            </a:r>
+          </a:p>
+          <a:p>
+            <a:r>
+              <a:rPr lang="en-US" sz="3400" b="1" dirty="0"/>
+              <a:t>Benchmark 7</a:t>
+            </a:r>
+            <a:r>
+              <a:rPr lang="en-US" sz="3400" dirty="0"/>
+              <a:t>: Integration Testing</a:t>
+            </a:r>
+          </a:p>
+          <a:p>
+            <a:endParaRPr lang="en-US" sz="3400" dirty="0"/>
+          </a:p>
+          <a:p>
+            <a:r>
+              <a:rPr lang="en-US" sz="3400" dirty="0"/>
+              <a:t>ALL FINISHED</a:t>
             </a:r>
           </a:p>
         </p:txBody>

--- a/FinalMoneypadPowerpoint.pptx
+++ b/FinalMoneypadPowerpoint.pptx
@@ -11,14 +11,14 @@
     <p:sldId id="259" r:id="rId5"/>
     <p:sldId id="272" r:id="rId6"/>
     <p:sldId id="269" r:id="rId7"/>
-    <p:sldId id="267" r:id="rId8"/>
-    <p:sldId id="268" r:id="rId9"/>
-    <p:sldId id="271" r:id="rId10"/>
-    <p:sldId id="276" r:id="rId11"/>
-    <p:sldId id="277" r:id="rId12"/>
-    <p:sldId id="275" r:id="rId13"/>
-    <p:sldId id="278" r:id="rId14"/>
-    <p:sldId id="274" r:id="rId15"/>
+    <p:sldId id="275" r:id="rId8"/>
+    <p:sldId id="267" r:id="rId9"/>
+    <p:sldId id="268" r:id="rId10"/>
+    <p:sldId id="271" r:id="rId11"/>
+    <p:sldId id="276" r:id="rId12"/>
+    <p:sldId id="277" r:id="rId13"/>
+    <p:sldId id="279" r:id="rId14"/>
+    <p:sldId id="278" r:id="rId15"/>
   </p:sldIdLst>
   <p:sldSz cx="9144000" cy="6858000" type="screen4x3"/>
   <p:notesSz cx="6858000" cy="9144000"/>
@@ -519,7 +519,7 @@
             <a:fld id="{81174F84-7A56-4EBE-A4F9-513CBF214038}" type="datetimeFigureOut">
               <a:rPr lang="en-US" smtClean="0"/>
               <a:pPr/>
-              <a:t>5/2/2023</a:t>
+              <a:t>5/3/2023</a:t>
             </a:fld>
             <a:endParaRPr lang="en-US"/>
           </a:p>
@@ -685,7 +685,7 @@
             <a:fld id="{81174F84-7A56-4EBE-A4F9-513CBF214038}" type="datetimeFigureOut">
               <a:rPr lang="en-US" smtClean="0"/>
               <a:pPr/>
-              <a:t>5/2/2023</a:t>
+              <a:t>5/3/2023</a:t>
             </a:fld>
             <a:endParaRPr lang="en-US"/>
           </a:p>
@@ -861,7 +861,7 @@
             <a:fld id="{81174F84-7A56-4EBE-A4F9-513CBF214038}" type="datetimeFigureOut">
               <a:rPr lang="en-US" smtClean="0"/>
               <a:pPr/>
-              <a:t>5/2/2023</a:t>
+              <a:t>5/3/2023</a:t>
             </a:fld>
             <a:endParaRPr lang="en-US"/>
           </a:p>
@@ -1031,7 +1031,7 @@
             <a:fld id="{81174F84-7A56-4EBE-A4F9-513CBF214038}" type="datetimeFigureOut">
               <a:rPr lang="en-US" smtClean="0"/>
               <a:pPr/>
-              <a:t>5/2/2023</a:t>
+              <a:t>5/3/2023</a:t>
             </a:fld>
             <a:endParaRPr lang="en-US"/>
           </a:p>
@@ -1487,7 +1487,7 @@
             <a:fld id="{81174F84-7A56-4EBE-A4F9-513CBF214038}" type="datetimeFigureOut">
               <a:rPr lang="en-US" smtClean="0"/>
               <a:pPr/>
-              <a:t>5/2/2023</a:t>
+              <a:t>5/3/2023</a:t>
             </a:fld>
             <a:endParaRPr lang="en-US"/>
           </a:p>
@@ -1752,7 +1752,7 @@
             <a:fld id="{81174F84-7A56-4EBE-A4F9-513CBF214038}" type="datetimeFigureOut">
               <a:rPr lang="en-US" smtClean="0"/>
               <a:pPr/>
-              <a:t>5/2/2023</a:t>
+              <a:t>5/3/2023</a:t>
             </a:fld>
             <a:endParaRPr lang="en-US"/>
           </a:p>
@@ -2127,7 +2127,7 @@
             <a:fld id="{81174F84-7A56-4EBE-A4F9-513CBF214038}" type="datetimeFigureOut">
               <a:rPr lang="en-US" smtClean="0"/>
               <a:pPr/>
-              <a:t>5/2/2023</a:t>
+              <a:t>5/3/2023</a:t>
             </a:fld>
             <a:endParaRPr lang="en-US"/>
           </a:p>
@@ -2250,7 +2250,7 @@
             <a:fld id="{81174F84-7A56-4EBE-A4F9-513CBF214038}" type="datetimeFigureOut">
               <a:rPr lang="en-US" smtClean="0"/>
               <a:pPr/>
-              <a:t>5/2/2023</a:t>
+              <a:t>5/3/2023</a:t>
             </a:fld>
             <a:endParaRPr lang="en-US"/>
           </a:p>
@@ -2342,7 +2342,7 @@
             <a:fld id="{81174F84-7A56-4EBE-A4F9-513CBF214038}" type="datetimeFigureOut">
               <a:rPr lang="en-US" smtClean="0"/>
               <a:pPr/>
-              <a:t>5/2/2023</a:t>
+              <a:t>5/3/2023</a:t>
             </a:fld>
             <a:endParaRPr lang="en-US"/>
           </a:p>
@@ -2592,7 +2592,7 @@
             <a:fld id="{81174F84-7A56-4EBE-A4F9-513CBF214038}" type="datetimeFigureOut">
               <a:rPr lang="en-US" smtClean="0"/>
               <a:pPr/>
-              <a:t>5/2/2023</a:t>
+              <a:t>5/3/2023</a:t>
             </a:fld>
             <a:endParaRPr lang="en-US"/>
           </a:p>
@@ -2852,7 +2852,7 @@
             <a:fld id="{81174F84-7A56-4EBE-A4F9-513CBF214038}" type="datetimeFigureOut">
               <a:rPr lang="en-US" smtClean="0"/>
               <a:pPr/>
-              <a:t>5/2/2023</a:t>
+              <a:t>5/3/2023</a:t>
             </a:fld>
             <a:endParaRPr lang="en-US"/>
           </a:p>
@@ -3256,7 +3256,7 @@
             <a:fld id="{81174F84-7A56-4EBE-A4F9-513CBF214038}" type="datetimeFigureOut">
               <a:rPr lang="en-US" smtClean="0"/>
               <a:pPr/>
-              <a:t>5/2/2023</a:t>
+              <a:t>5/3/2023</a:t>
             </a:fld>
             <a:endParaRPr lang="en-US"/>
           </a:p>
@@ -3752,13 +3752,7 @@
       </p:grpSpPr>
       <p:sp>
         <p:nvSpPr>
-          <p:cNvPr id="2" name="Title 1">
-            <a:extLst>
-              <a:ext uri="{FF2B5EF4-FFF2-40B4-BE49-F238E27FC236}">
-                <a16:creationId xmlns:a16="http://schemas.microsoft.com/office/drawing/2014/main" id="{C5B5EBF5-8F91-F3B8-A126-3EEBEAA99D65}"/>
-              </a:ext>
-            </a:extLst>
-          </p:cNvPr>
+          <p:cNvPr id="2" name="Title 1"/>
           <p:cNvSpPr>
             <a:spLocks noGrp="1"/>
           </p:cNvSpPr>
@@ -3773,20 +3767,14 @@
           <a:p>
             <a:r>
               <a:rPr lang="en-US" dirty="0"/>
-              <a:t>Features Implemented</a:t>
-            </a:r>
-          </a:p>
-        </p:txBody>
-      </p:sp>
-      <p:sp>
-        <p:nvSpPr>
-          <p:cNvPr id="3" name="Content Placeholder 2">
-            <a:extLst>
-              <a:ext uri="{FF2B5EF4-FFF2-40B4-BE49-F238E27FC236}">
-                <a16:creationId xmlns:a16="http://schemas.microsoft.com/office/drawing/2014/main" id="{D77C6D94-EE7D-89A7-F80F-F6E2554A0363}"/>
-              </a:ext>
-            </a:extLst>
-          </p:cNvPr>
+              <a:t>Benchmark Specification</a:t>
+            </a:r>
+          </a:p>
+        </p:txBody>
+      </p:sp>
+      <p:sp>
+        <p:nvSpPr>
+          <p:cNvPr id="3" name="Content Placeholder 2"/>
           <p:cNvSpPr>
             <a:spLocks noGrp="1"/>
           </p:cNvSpPr>
@@ -3796,54 +3784,92 @@
         </p:nvSpPr>
         <p:spPr/>
         <p:txBody>
-          <a:bodyPr/>
-          <a:lstStyle/>
-          <a:p>
-            <a:r>
-              <a:rPr lang="en-US" dirty="0"/>
-              <a:t>Everything from the UI Mockup</a:t>
-            </a:r>
-          </a:p>
-          <a:p>
-            <a:r>
-              <a:rPr lang="en-US" dirty="0"/>
-              <a:t>Added an Admin page</a:t>
-            </a:r>
-          </a:p>
-          <a:p>
-            <a:pPr lvl="1"/>
-            <a:r>
-              <a:rPr lang="en-US" dirty="0"/>
-              <a:t>You can make others admin </a:t>
-            </a:r>
-          </a:p>
-          <a:p>
-            <a:pPr lvl="1"/>
-            <a:r>
-              <a:rPr lang="en-US" dirty="0"/>
-              <a:t>Also delete users</a:t>
-            </a:r>
-          </a:p>
-          <a:p>
-            <a:r>
-              <a:rPr lang="en-US" dirty="0"/>
-              <a:t>Instead of searching for a stock, you can just click on it for more info</a:t>
-            </a:r>
-          </a:p>
-          <a:p>
-            <a:pPr marL="448056" lvl="1" indent="0">
-              <a:buNone/>
-            </a:pPr>
-            <a:endParaRPr lang="en-US" dirty="0"/>
+          <a:bodyPr>
+            <a:normAutofit fontScale="77500" lnSpcReduction="20000"/>
+          </a:bodyPr>
+          <a:lstStyle/>
+          <a:p>
+            <a:r>
+              <a:rPr lang="en-US" sz="3400" b="1" dirty="0"/>
+              <a:t>Benchmark 1</a:t>
+            </a:r>
+            <a:r>
+              <a:rPr lang="en-US" sz="3400" dirty="0"/>
+              <a:t>:Database Setup and Testing</a:t>
+            </a:r>
+          </a:p>
+          <a:p>
+            <a:r>
+              <a:rPr lang="en-US" sz="3400" b="1" dirty="0"/>
+              <a:t>Benchmark 2</a:t>
+            </a:r>
+            <a:r>
+              <a:rPr lang="en-US" sz="3400" dirty="0"/>
+              <a:t>: User Signup/Login and Testing</a:t>
+            </a:r>
+          </a:p>
+          <a:p>
+            <a:r>
+              <a:rPr lang="en-US" sz="3400" b="1" dirty="0"/>
+              <a:t>Benchmark 3</a:t>
+            </a:r>
+            <a:r>
+              <a:rPr lang="en-US" sz="3400" dirty="0"/>
+              <a:t>:Transaction Service and Testing</a:t>
+            </a:r>
+          </a:p>
+          <a:p>
+            <a:r>
+              <a:rPr lang="en-US" sz="3400" b="1" dirty="0"/>
+              <a:t>Benchmark 4</a:t>
+            </a:r>
+            <a:r>
+              <a:rPr lang="en-US" sz="3400" dirty="0"/>
+              <a:t>:Stock Service and Testing</a:t>
+            </a:r>
+          </a:p>
+          <a:p>
+            <a:r>
+              <a:rPr lang="en-US" sz="3400" b="1" dirty="0"/>
+              <a:t>Benchmark 5</a:t>
+            </a:r>
+            <a:r>
+              <a:rPr lang="en-US" sz="3400" dirty="0"/>
+              <a:t>: GUI Design</a:t>
+            </a:r>
+          </a:p>
+          <a:p>
+            <a:r>
+              <a:rPr lang="en-US" sz="3400" b="1" dirty="0"/>
+              <a:t>Benchmark 6</a:t>
+            </a:r>
+            <a:r>
+              <a:rPr lang="en-US" sz="3400" dirty="0"/>
+              <a:t>: Notification/Recommendation System and Testing</a:t>
+            </a:r>
+          </a:p>
+          <a:p>
+            <a:r>
+              <a:rPr lang="en-US" sz="3400" b="1" dirty="0"/>
+              <a:t>Benchmark 7</a:t>
+            </a:r>
+            <a:r>
+              <a:rPr lang="en-US" sz="3400" dirty="0"/>
+              <a:t>: Integration Testing</a:t>
+            </a:r>
+          </a:p>
+          <a:p>
+            <a:endParaRPr lang="en-US" sz="3400" dirty="0"/>
+          </a:p>
+          <a:p>
+            <a:r>
+              <a:rPr lang="en-US" sz="3400" dirty="0"/>
+              <a:t>ALL FINISHED</a:t>
+            </a:r>
           </a:p>
         </p:txBody>
       </p:sp>
     </p:spTree>
-    <p:extLst>
-      <p:ext uri="{BB962C8B-B14F-4D97-AF65-F5344CB8AC3E}">
-        <p14:creationId xmlns:p14="http://schemas.microsoft.com/office/powerpoint/2010/main" val="2005411694"/>
-      </p:ext>
-    </p:extLst>
   </p:cSld>
   <p:clrMapOvr>
     <a:masterClrMapping/>
@@ -3873,7 +3899,7 @@
           <p:cNvPr id="2" name="Title 1">
             <a:extLst>
               <a:ext uri="{FF2B5EF4-FFF2-40B4-BE49-F238E27FC236}">
-                <a16:creationId xmlns:a16="http://schemas.microsoft.com/office/drawing/2014/main" id="{F53C1975-D159-C598-2D72-75B8CFB6A0DA}"/>
+                <a16:creationId xmlns:a16="http://schemas.microsoft.com/office/drawing/2014/main" id="{C5B5EBF5-8F91-F3B8-A126-3EEBEAA99D65}"/>
               </a:ext>
             </a:extLst>
           </p:cNvPr>
@@ -3891,7 +3917,7 @@
           <a:p>
             <a:r>
               <a:rPr lang="en-US" dirty="0"/>
-              <a:t>Post Mortem</a:t>
+              <a:t>Features Implemented</a:t>
             </a:r>
           </a:p>
         </p:txBody>
@@ -3901,7 +3927,7 @@
           <p:cNvPr id="3" name="Content Placeholder 2">
             <a:extLst>
               <a:ext uri="{FF2B5EF4-FFF2-40B4-BE49-F238E27FC236}">
-                <a16:creationId xmlns:a16="http://schemas.microsoft.com/office/drawing/2014/main" id="{8D5FC102-8BD3-F9C2-E9A2-3D1BE310F95D}"/>
+                <a16:creationId xmlns:a16="http://schemas.microsoft.com/office/drawing/2014/main" id="{D77C6D94-EE7D-89A7-F80F-F6E2554A0363}"/>
               </a:ext>
             </a:extLst>
           </p:cNvPr>
@@ -3914,57 +3940,52 @@
         </p:nvSpPr>
         <p:spPr/>
         <p:txBody>
-          <a:bodyPr>
-            <a:normAutofit fontScale="92500" lnSpcReduction="10000"/>
-          </a:bodyPr>
-          <a:lstStyle/>
-          <a:p>
-            <a:r>
-              <a:rPr lang="en-US" dirty="0"/>
-              <a:t>I learned how to fetch from public APIs other than ones I created myself</a:t>
-            </a:r>
-          </a:p>
-          <a:p>
-            <a:r>
-              <a:rPr lang="en-US" dirty="0"/>
-              <a:t>Learned much more about parent and child components with React</a:t>
-            </a:r>
-          </a:p>
-          <a:p>
-            <a:r>
-              <a:rPr lang="en-US" dirty="0"/>
-              <a:t>Learned how to host a website and how to host a server online as well.</a:t>
-            </a:r>
-          </a:p>
-          <a:p>
-            <a:r>
-              <a:rPr lang="en-US" dirty="0"/>
-              <a:t>Brought a full web app to life from start to finish.</a:t>
-            </a:r>
-          </a:p>
-          <a:p>
-            <a:r>
-              <a:rPr lang="en-US" dirty="0"/>
-              <a:t>Gotten much more familiar with </a:t>
-            </a:r>
-            <a:r>
-              <a:rPr lang="en-US" dirty="0" err="1"/>
-              <a:t>Javascript</a:t>
-            </a:r>
+          <a:bodyPr/>
+          <a:lstStyle/>
+          <a:p>
+            <a:r>
+              <a:rPr lang="en-US" dirty="0"/>
+              <a:t>Everything from the UI Mockup</a:t>
+            </a:r>
+          </a:p>
+          <a:p>
+            <a:r>
+              <a:rPr lang="en-US" dirty="0"/>
+              <a:t>Added an Admin page</a:t>
+            </a:r>
+          </a:p>
+          <a:p>
+            <a:pPr lvl="1"/>
+            <a:r>
+              <a:rPr lang="en-US" dirty="0"/>
+              <a:t>You can make others admin </a:t>
+            </a:r>
+          </a:p>
+          <a:p>
+            <a:pPr lvl="1"/>
+            <a:r>
+              <a:rPr lang="en-US" dirty="0"/>
+              <a:t>Also delete users</a:t>
+            </a:r>
+          </a:p>
+          <a:p>
+            <a:r>
+              <a:rPr lang="en-US" dirty="0"/>
+              <a:t>Instead of searching for a stock, you can just click on it for more info</a:t>
+            </a:r>
+          </a:p>
+          <a:p>
+            <a:pPr marL="448056" lvl="1" indent="0">
+              <a:buNone/>
+            </a:pPr>
             <a:endParaRPr lang="en-US" dirty="0"/>
-          </a:p>
-          <a:p>
-            <a:r>
-              <a:rPr lang="en-US" dirty="0"/>
-              <a:t>Learned much more about a SQL database</a:t>
-            </a:r>
           </a:p>
         </p:txBody>
       </p:sp>
     </p:spTree>
     <p:extLst>
       <p:ext uri="{BB962C8B-B14F-4D97-AF65-F5344CB8AC3E}">
-        <p14:creationId xmlns:p14="http://schemas.microsoft.com/office/powerpoint/2010/main" val="1916961878"/>
+        <p14:creationId xmlns:p14="http://schemas.microsoft.com/office/powerpoint/2010/main" val="2005411694"/>
       </p:ext>
     </p:extLst>
   </p:cSld>
@@ -3996,7 +4017,7 @@
           <p:cNvPr id="2" name="Title 1">
             <a:extLst>
               <a:ext uri="{FF2B5EF4-FFF2-40B4-BE49-F238E27FC236}">
-                <a16:creationId xmlns:a16="http://schemas.microsoft.com/office/drawing/2014/main" id="{B9E67C1C-5416-CD0C-BCE1-EBC78C8CEBF7}"/>
+                <a16:creationId xmlns:a16="http://schemas.microsoft.com/office/drawing/2014/main" id="{F53C1975-D159-C598-2D72-75B8CFB6A0DA}"/>
               </a:ext>
             </a:extLst>
           </p:cNvPr>
@@ -4014,7 +4035,7 @@
           <a:p>
             <a:r>
               <a:rPr lang="en-US" dirty="0"/>
-              <a:t>Demo</a:t>
+              <a:t>Postmortem</a:t>
             </a:r>
           </a:p>
         </p:txBody>
@@ -4024,7 +4045,7 @@
           <p:cNvPr id="3" name="Content Placeholder 2">
             <a:extLst>
               <a:ext uri="{FF2B5EF4-FFF2-40B4-BE49-F238E27FC236}">
-                <a16:creationId xmlns:a16="http://schemas.microsoft.com/office/drawing/2014/main" id="{B582F543-5D05-D465-4AE5-AB29EE095861}"/>
+                <a16:creationId xmlns:a16="http://schemas.microsoft.com/office/drawing/2014/main" id="{8D5FC102-8BD3-F9C2-E9A2-3D1BE310F95D}"/>
               </a:ext>
             </a:extLst>
           </p:cNvPr>
@@ -4037,36 +4058,55 @@
         </p:nvSpPr>
         <p:spPr/>
         <p:txBody>
-          <a:bodyPr/>
-          <a:lstStyle/>
-          <a:p>
-            <a:r>
-              <a:rPr lang="en-US" dirty="0"/>
-              <a:t>Frontend</a:t>
-            </a:r>
-          </a:p>
-          <a:p>
-            <a:r>
-              <a:rPr lang="en-US" dirty="0"/>
-              <a:t>Backend</a:t>
-            </a:r>
-          </a:p>
-          <a:p>
-            <a:r>
-              <a:rPr lang="en-US" dirty="0" err="1"/>
-              <a:t>Github</a:t>
-            </a:r>
-            <a:r>
-              <a:rPr lang="en-US" dirty="0"/>
-              <a:t> / Version Control</a:t>
-            </a:r>
+          <a:bodyPr>
+            <a:normAutofit fontScale="92500" lnSpcReduction="10000"/>
+          </a:bodyPr>
+          <a:lstStyle/>
+          <a:p>
+            <a:r>
+              <a:rPr lang="en-US" dirty="0"/>
+              <a:t>Brought a full web app to life from start to finish, frontend and backend.</a:t>
+            </a:r>
+          </a:p>
+          <a:p>
+            <a:r>
+              <a:rPr lang="en-US" dirty="0"/>
+              <a:t>I learned how to fetch from public APIs other than ones I created myself</a:t>
+            </a:r>
+          </a:p>
+          <a:p>
+            <a:r>
+              <a:rPr lang="en-US" dirty="0"/>
+              <a:t>Learned much more about parent and child components with React</a:t>
+            </a:r>
+          </a:p>
+          <a:p>
+            <a:r>
+              <a:rPr lang="en-US" dirty="0"/>
+              <a:t>Gotten much more familiar with JavaScript</a:t>
+            </a:r>
+          </a:p>
+          <a:p>
+            <a:r>
+              <a:rPr lang="en-US" dirty="0"/>
+              <a:t>Learned much more about a SQL database</a:t>
+            </a:r>
+          </a:p>
+          <a:p>
+            <a:r>
+              <a:rPr lang="en-US" dirty="0"/>
+              <a:t>Learned how to host a website and how to host a server online as well.</a:t>
+            </a:r>
+          </a:p>
+          <a:p>
+            <a:endParaRPr lang="en-US" dirty="0"/>
           </a:p>
         </p:txBody>
       </p:sp>
     </p:spTree>
     <p:extLst>
       <p:ext uri="{BB962C8B-B14F-4D97-AF65-F5344CB8AC3E}">
-        <p14:creationId xmlns:p14="http://schemas.microsoft.com/office/powerpoint/2010/main" val="2718714678"/>
+        <p14:creationId xmlns:p14="http://schemas.microsoft.com/office/powerpoint/2010/main" val="1916961878"/>
       </p:ext>
     </p:extLst>
   </p:cSld>
@@ -4098,7 +4138,7 @@
           <p:cNvPr id="2" name="Title 1">
             <a:extLst>
               <a:ext uri="{FF2B5EF4-FFF2-40B4-BE49-F238E27FC236}">
-                <a16:creationId xmlns:a16="http://schemas.microsoft.com/office/drawing/2014/main" id="{718E4A59-CB85-B712-6B61-211473BAEC38}"/>
+                <a16:creationId xmlns:a16="http://schemas.microsoft.com/office/drawing/2014/main" id="{183D62E3-C8D9-CC13-3556-31E83EC8E9EF}"/>
               </a:ext>
             </a:extLst>
           </p:cNvPr>
@@ -4116,7 +4156,7 @@
           <a:p>
             <a:r>
               <a:rPr lang="en-US" dirty="0"/>
-              <a:t>What I delivered</a:t>
+              <a:t>Amendments</a:t>
             </a:r>
           </a:p>
         </p:txBody>
@@ -4126,7 +4166,7 @@
           <p:cNvPr id="3" name="Content Placeholder 2">
             <a:extLst>
               <a:ext uri="{FF2B5EF4-FFF2-40B4-BE49-F238E27FC236}">
-                <a16:creationId xmlns:a16="http://schemas.microsoft.com/office/drawing/2014/main" id="{5770CF44-98BD-A000-9423-328E66538187}"/>
+                <a16:creationId xmlns:a16="http://schemas.microsoft.com/office/drawing/2014/main" id="{3D0A29E7-A183-EA0C-D444-928B922C9A30}"/>
               </a:ext>
             </a:extLst>
           </p:cNvPr>
@@ -4142,69 +4182,6 @@
           <a:bodyPr/>
           <a:lstStyle/>
           <a:p>
-            <a:r>
-              <a:rPr lang="en-US" dirty="0"/>
-              <a:t>Original proposal of CSC 520</a:t>
-            </a:r>
-          </a:p>
-          <a:p>
-            <a:r>
-              <a:rPr lang="en-US" dirty="0"/>
-              <a:t>System architecture diagrams</a:t>
-            </a:r>
-          </a:p>
-          <a:p>
-            <a:r>
-              <a:rPr lang="en-US" dirty="0"/>
-              <a:t>Objectives</a:t>
-            </a:r>
-          </a:p>
-          <a:p>
-            <a:r>
-              <a:rPr lang="en-US" dirty="0"/>
-              <a:t>Benchmarks</a:t>
-            </a:r>
-          </a:p>
-          <a:p>
-            <a:r>
-              <a:rPr lang="en-US" dirty="0"/>
-              <a:t>Database Design</a:t>
-            </a:r>
-          </a:p>
-          <a:p>
-            <a:r>
-              <a:rPr lang="en-US" dirty="0"/>
-              <a:t>UI Mockup</a:t>
-            </a:r>
-          </a:p>
-          <a:p>
-            <a:r>
-              <a:rPr lang="en-US" dirty="0"/>
-              <a:t>Demo of the Project</a:t>
-            </a:r>
-          </a:p>
-          <a:p>
-            <a:r>
-              <a:rPr lang="en-US" dirty="0"/>
-              <a:t>Tools used</a:t>
-            </a:r>
-          </a:p>
-          <a:p>
-            <a:endParaRPr lang="en-US" dirty="0"/>
-          </a:p>
-          <a:p>
-            <a:endParaRPr lang="en-US" dirty="0"/>
-          </a:p>
-          <a:p>
-            <a:endParaRPr lang="en-US" dirty="0"/>
-          </a:p>
-          <a:p>
-            <a:endParaRPr lang="en-US" dirty="0"/>
-          </a:p>
-          <a:p>
-            <a:endParaRPr lang="en-US" dirty="0"/>
-          </a:p>
-          <a:p>
             <a:endParaRPr lang="en-US" dirty="0"/>
           </a:p>
         </p:txBody>
@@ -4212,7 +4189,7 @@
     </p:spTree>
     <p:extLst>
       <p:ext uri="{BB962C8B-B14F-4D97-AF65-F5344CB8AC3E}">
-        <p14:creationId xmlns:p14="http://schemas.microsoft.com/office/powerpoint/2010/main" val="2525640229"/>
+        <p14:creationId xmlns:p14="http://schemas.microsoft.com/office/powerpoint/2010/main" val="1060422362"/>
       </p:ext>
     </p:extLst>
   </p:cSld>
@@ -4241,7 +4218,13 @@
       </p:grpSpPr>
       <p:sp>
         <p:nvSpPr>
-          <p:cNvPr id="2" name="Title 1"/>
+          <p:cNvPr id="2" name="Title 1">
+            <a:extLst>
+              <a:ext uri="{FF2B5EF4-FFF2-40B4-BE49-F238E27FC236}">
+                <a16:creationId xmlns:a16="http://schemas.microsoft.com/office/drawing/2014/main" id="{718E4A59-CB85-B712-6B61-211473BAEC38}"/>
+              </a:ext>
+            </a:extLst>
+          </p:cNvPr>
           <p:cNvSpPr>
             <a:spLocks noGrp="1"/>
           </p:cNvSpPr>
@@ -4256,14 +4239,20 @@
           <a:p>
             <a:r>
               <a:rPr lang="en-US" dirty="0"/>
-              <a:t>Deliverables</a:t>
-            </a:r>
-          </a:p>
-        </p:txBody>
-      </p:sp>
-      <p:sp>
-        <p:nvSpPr>
-          <p:cNvPr id="3" name="Content Placeholder 2"/>
+              <a:t>What I delivered</a:t>
+            </a:r>
+          </a:p>
+        </p:txBody>
+      </p:sp>
+      <p:sp>
+        <p:nvSpPr>
+          <p:cNvPr id="3" name="Content Placeholder 2">
+            <a:extLst>
+              <a:ext uri="{FF2B5EF4-FFF2-40B4-BE49-F238E27FC236}">
+                <a16:creationId xmlns:a16="http://schemas.microsoft.com/office/drawing/2014/main" id="{5770CF44-98BD-A000-9423-328E66538187}"/>
+              </a:ext>
+            </a:extLst>
+          </p:cNvPr>
           <p:cNvSpPr>
             <a:spLocks noGrp="1"/>
           </p:cNvSpPr>
@@ -4273,98 +4262,82 @@
         </p:nvSpPr>
         <p:spPr/>
         <p:txBody>
-          <a:bodyPr>
-            <a:normAutofit fontScale="77500" lnSpcReduction="20000"/>
-          </a:bodyPr>
-          <a:lstStyle/>
+          <a:bodyPr/>
+          <a:lstStyle/>
+          <a:p>
+            <a:r>
+              <a:rPr lang="en-US" dirty="0"/>
+              <a:t>Original proposal of CSC 520</a:t>
+            </a:r>
+          </a:p>
+          <a:p>
+            <a:r>
+              <a:rPr lang="en-US" dirty="0"/>
+              <a:t>System architecture diagrams</a:t>
+            </a:r>
+          </a:p>
+          <a:p>
+            <a:r>
+              <a:rPr lang="en-US" dirty="0"/>
+              <a:t>GitHub Source Code</a:t>
+            </a:r>
+          </a:p>
+          <a:p>
+            <a:r>
+              <a:rPr lang="en-US" dirty="0"/>
+              <a:t>Database Design</a:t>
+            </a:r>
+          </a:p>
+          <a:p>
+            <a:r>
+              <a:rPr lang="en-US" dirty="0"/>
+              <a:t>Demo of the Project</a:t>
+            </a:r>
+          </a:p>
+          <a:p>
+            <a:r>
+              <a:rPr lang="en-US" dirty="0"/>
+              <a:t>Presentation</a:t>
+            </a:r>
+          </a:p>
+          <a:p>
+            <a:r>
+              <a:rPr lang="en-US" dirty="0"/>
+              <a:t>Postmortem</a:t>
+            </a:r>
+          </a:p>
+          <a:p>
+            <a:r>
+              <a:rPr lang="en-US" dirty="0"/>
+              <a:t>Amendments</a:t>
+            </a:r>
+          </a:p>
           <a:p>
             <a:endParaRPr lang="en-US" dirty="0"/>
           </a:p>
           <a:p>
-            <a:pPr lvl="1"/>
-            <a:r>
-              <a:rPr lang="en-US" sz="2800" dirty="0"/>
-              <a:t>Amendments to the proposal.</a:t>
-            </a:r>
-            <a:endParaRPr lang="en-US" sz="3200" dirty="0"/>
-          </a:p>
-          <a:p>
-            <a:pPr lvl="1"/>
-            <a:r>
-              <a:rPr lang="en-US" sz="2800" dirty="0"/>
-              <a:t>All design diagrams (e.g., UCD, DFD, ERD, etc.) updated/enhanced with details </a:t>
-            </a:r>
-            <a:br>
-              <a:rPr lang="en-US" sz="2800" dirty="0"/>
-            </a:br>
-            <a:r>
-              <a:rPr lang="en-US" sz="2800" dirty="0"/>
-              <a:t>determined during the implementation of the project</a:t>
-            </a:r>
-            <a:endParaRPr lang="en-US" sz="3200" dirty="0"/>
-          </a:p>
-          <a:p>
-            <a:pPr lvl="1"/>
-            <a:r>
-              <a:rPr lang="en-US" sz="2800" dirty="0"/>
-              <a:t>Documentation of completed project functionality</a:t>
-            </a:r>
-            <a:endParaRPr lang="en-US" sz="3200" dirty="0"/>
-          </a:p>
-          <a:p>
-            <a:pPr lvl="1"/>
-            <a:r>
-              <a:rPr lang="en-US" sz="2800" dirty="0"/>
-              <a:t>Sample output (e.g., screen shots)</a:t>
-            </a:r>
-            <a:endParaRPr lang="en-US" sz="3200" dirty="0"/>
-          </a:p>
-          <a:p>
-            <a:pPr lvl="1"/>
-            <a:r>
-              <a:rPr lang="en-US" sz="2800" dirty="0"/>
-              <a:t>Executables or URL (if the application is hosted in the cloud)</a:t>
-            </a:r>
-            <a:endParaRPr lang="en-US" sz="3200" dirty="0"/>
-          </a:p>
-          <a:p>
-            <a:pPr lvl="1"/>
-            <a:r>
-              <a:rPr lang="en-US" sz="2800" dirty="0"/>
-              <a:t>Description of the source control tool used for the project implementation</a:t>
-            </a:r>
-            <a:endParaRPr lang="en-US" sz="3200" dirty="0"/>
-          </a:p>
-          <a:p>
-            <a:pPr lvl="1"/>
-            <a:r>
-              <a:rPr lang="en-US" sz="2800" dirty="0"/>
-              <a:t>Project journal</a:t>
-            </a:r>
-            <a:endParaRPr lang="en-US" sz="3200" dirty="0"/>
-          </a:p>
-          <a:p>
-            <a:pPr lvl="1"/>
-            <a:r>
-              <a:rPr lang="en-US" sz="2800" dirty="0"/>
-              <a:t>Project postmortem</a:t>
-            </a:r>
-            <a:endParaRPr lang="en-US" sz="3200" dirty="0"/>
-          </a:p>
-          <a:p>
-            <a:r>
-              <a:rPr lang="en-US" sz="3200" dirty="0"/>
-              <a:t>Presentation Document </a:t>
-            </a:r>
-            <a:r>
-              <a:rPr lang="en-US" sz="3200"/>
-              <a:t>for CSC521</a:t>
-            </a:r>
             <a:endParaRPr lang="en-US" dirty="0"/>
           </a:p>
+          <a:p>
+            <a:endParaRPr lang="en-US" dirty="0"/>
+          </a:p>
+          <a:p>
+            <a:endParaRPr lang="en-US" dirty="0"/>
+          </a:p>
+          <a:p>
+            <a:endParaRPr lang="en-US" dirty="0"/>
+          </a:p>
+          <a:p>
+            <a:endParaRPr lang="en-US" dirty="0"/>
+          </a:p>
         </p:txBody>
       </p:sp>
     </p:spTree>
+    <p:extLst>
+      <p:ext uri="{BB962C8B-B14F-4D97-AF65-F5344CB8AC3E}">
+        <p14:creationId xmlns:p14="http://schemas.microsoft.com/office/powerpoint/2010/main" val="2525640229"/>
+      </p:ext>
+    </p:extLst>
   </p:cSld>
   <p:clrMapOvr>
     <a:masterClrMapping/>
@@ -4545,13 +4518,8 @@
           <a:p>
             <a:r>
               <a:rPr lang="en-US" dirty="0"/>
-              <a:t>Experience with </a:t>
-            </a:r>
-            <a:r>
-              <a:rPr lang="en-US" dirty="0" err="1"/>
-              <a:t>Javascript</a:t>
-            </a:r>
-            <a:endParaRPr lang="en-US" dirty="0"/>
+              <a:t>Experience with JavaScript</a:t>
+            </a:r>
           </a:p>
           <a:p>
             <a:r>
@@ -4562,7 +4530,7 @@
           <a:p>
             <a:r>
               <a:rPr lang="en-US" dirty="0"/>
-              <a:t>Learn more front-end to make websites look aesthetically pleasing</a:t>
+              <a:t>Learn more front-end to make websites </a:t>
             </a:r>
           </a:p>
           <a:p>
@@ -4744,87 +4712,59 @@
         <p:spPr/>
         <p:txBody>
           <a:bodyPr>
-            <a:normAutofit fontScale="55000" lnSpcReduction="20000"/>
+            <a:normAutofit fontScale="70000" lnSpcReduction="20000"/>
           </a:bodyPr>
           <a:lstStyle/>
           <a:p>
             <a:r>
               <a:rPr lang="en-US" dirty="0"/>
+              <a:t>Backend</a:t>
+            </a:r>
+          </a:p>
+          <a:p>
+            <a:pPr lvl="1"/>
+            <a:r>
+              <a:rPr lang="en-US" dirty="0"/>
+              <a:t>Node.js, Express</a:t>
+            </a:r>
+          </a:p>
+          <a:p>
+            <a:r>
+              <a:rPr lang="en-US" dirty="0"/>
+              <a:t>Frontend</a:t>
+            </a:r>
+          </a:p>
+          <a:p>
+            <a:pPr lvl="1"/>
+            <a:r>
+              <a:rPr lang="en-US" dirty="0"/>
+              <a:t>React-Bootstrap, CSS</a:t>
+            </a:r>
+          </a:p>
+          <a:p>
+            <a:r>
+              <a:rPr lang="en-US" dirty="0"/>
+              <a:t>Database</a:t>
+            </a:r>
+          </a:p>
+          <a:p>
+            <a:pPr lvl="1"/>
+            <a:r>
+              <a:rPr lang="en-US" dirty="0"/>
+              <a:t>MySQL</a:t>
+            </a:r>
+          </a:p>
+          <a:p>
+            <a:r>
+              <a:rPr lang="en-US" dirty="0"/>
               <a:t>Programming Language</a:t>
             </a:r>
           </a:p>
           <a:p>
             <a:pPr lvl="1"/>
             <a:r>
-              <a:rPr lang="en-US" dirty="0" err="1"/>
-              <a:t>Javascript</a:t>
-            </a:r>
-            <a:endParaRPr lang="en-US" dirty="0"/>
-          </a:p>
-          <a:p>
-            <a:r>
-              <a:rPr lang="en-US" dirty="0"/>
-              <a:t>IDEs</a:t>
-            </a:r>
-          </a:p>
-          <a:p>
-            <a:pPr lvl="1"/>
-            <a:r>
-              <a:rPr lang="en-US" dirty="0"/>
-              <a:t>Visual Studio Code</a:t>
-            </a:r>
-          </a:p>
-          <a:p>
-            <a:r>
-              <a:rPr lang="en-US" dirty="0"/>
-              <a:t>Backend</a:t>
-            </a:r>
-          </a:p>
-          <a:p>
-            <a:pPr lvl="1"/>
-            <a:r>
-              <a:rPr lang="en-US" dirty="0"/>
-              <a:t>Node.js, Express</a:t>
-            </a:r>
-          </a:p>
-          <a:p>
-            <a:r>
-              <a:rPr lang="en-US" dirty="0"/>
-              <a:t>Frontend</a:t>
-            </a:r>
-          </a:p>
-          <a:p>
-            <a:pPr lvl="1"/>
-            <a:r>
-              <a:rPr lang="en-US" dirty="0"/>
-              <a:t>React-Bootstrap, CSS</a:t>
-            </a:r>
-          </a:p>
-          <a:p>
-            <a:r>
-              <a:rPr lang="en-US" dirty="0"/>
-              <a:t>Database</a:t>
-            </a:r>
-          </a:p>
-          <a:p>
-            <a:pPr lvl="1"/>
-            <a:r>
-              <a:rPr lang="en-US" dirty="0" err="1"/>
-              <a:t>MySQL</a:t>
-            </a:r>
-            <a:endParaRPr lang="en-US" dirty="0"/>
-          </a:p>
-          <a:p>
-            <a:r>
-              <a:rPr lang="en-US" dirty="0"/>
-              <a:t>OS</a:t>
-            </a:r>
-          </a:p>
-          <a:p>
-            <a:pPr lvl="1"/>
-            <a:r>
-              <a:rPr lang="en-US" dirty="0"/>
-              <a:t>Windows </a:t>
+              <a:rPr lang="en-US" dirty="0"/>
+              <a:t>JavaScript</a:t>
             </a:r>
           </a:p>
           <a:p>
@@ -4985,7 +4925,13 @@
       </p:grpSpPr>
       <p:sp>
         <p:nvSpPr>
-          <p:cNvPr id="2" name="Title 1"/>
+          <p:cNvPr id="2" name="Title 1">
+            <a:extLst>
+              <a:ext uri="{FF2B5EF4-FFF2-40B4-BE49-F238E27FC236}">
+                <a16:creationId xmlns:a16="http://schemas.microsoft.com/office/drawing/2014/main" id="{B9E67C1C-5416-CD0C-BCE1-EBC78C8CEBF7}"/>
+              </a:ext>
+            </a:extLst>
+          </p:cNvPr>
           <p:cNvSpPr>
             <a:spLocks noGrp="1"/>
           </p:cNvSpPr>
@@ -5000,46 +4946,61 @@
           <a:p>
             <a:r>
               <a:rPr lang="en-US" dirty="0"/>
-              <a:t>UI Mockup (Dashboard)</a:t>
-            </a:r>
-          </a:p>
-        </p:txBody>
-      </p:sp>
-      <p:pic>
-        <p:nvPicPr>
-          <p:cNvPr id="4" name="Content Placeholder 3"/>
-          <p:cNvPicPr>
-            <a:picLocks noGrp="1"/>
-          </p:cNvPicPr>
+              <a:t>Demo</a:t>
+            </a:r>
+          </a:p>
+        </p:txBody>
+      </p:sp>
+      <p:sp>
+        <p:nvSpPr>
+          <p:cNvPr id="3" name="Content Placeholder 2">
+            <a:extLst>
+              <a:ext uri="{FF2B5EF4-FFF2-40B4-BE49-F238E27FC236}">
+                <a16:creationId xmlns:a16="http://schemas.microsoft.com/office/drawing/2014/main" id="{B582F543-5D05-D465-4AE5-AB29EE095861}"/>
+              </a:ext>
+            </a:extLst>
+          </p:cNvPr>
+          <p:cNvSpPr>
+            <a:spLocks noGrp="1"/>
+          </p:cNvSpPr>
           <p:nvPr>
             <p:ph idx="1"/>
           </p:nvPr>
-        </p:nvPicPr>
-        <p:blipFill>
-          <a:blip r:embed="rId2"/>
-          <a:srcRect/>
-          <a:stretch>
-            <a:fillRect/>
-          </a:stretch>
-        </p:blipFill>
-        <p:spPr bwMode="auto">
-          <a:xfrm>
-            <a:off x="457200" y="1447800"/>
-            <a:ext cx="7848601" cy="5029200"/>
-          </a:xfrm>
-          <a:prstGeom prst="rect">
-            <a:avLst/>
-          </a:prstGeom>
-          <a:noFill/>
-          <a:ln w="9525">
-            <a:noFill/>
-            <a:miter lim="800000"/>
-            <a:headEnd/>
-            <a:tailEnd/>
-          </a:ln>
-        </p:spPr>
-      </p:pic>
+        </p:nvSpPr>
+        <p:spPr/>
+        <p:txBody>
+          <a:bodyPr/>
+          <a:lstStyle/>
+          <a:p>
+            <a:r>
+              <a:rPr lang="en-US" dirty="0"/>
+              <a:t>Frontend</a:t>
+            </a:r>
+          </a:p>
+          <a:p>
+            <a:r>
+              <a:rPr lang="en-US" dirty="0"/>
+              <a:t>Backend</a:t>
+            </a:r>
+          </a:p>
+          <a:p>
+            <a:r>
+              <a:rPr lang="en-US" dirty="0" err="1"/>
+              <a:t>Github</a:t>
+            </a:r>
+            <a:r>
+              <a:rPr lang="en-US" dirty="0"/>
+              <a:t> / Version Control</a:t>
+            </a:r>
+          </a:p>
+        </p:txBody>
+      </p:sp>
     </p:spTree>
+    <p:extLst>
+      <p:ext uri="{BB962C8B-B14F-4D97-AF65-F5344CB8AC3E}">
+        <p14:creationId xmlns:p14="http://schemas.microsoft.com/office/powerpoint/2010/main" val="2718714678"/>
+      </p:ext>
+    </p:extLst>
   </p:cSld>
   <p:clrMapOvr>
     <a:masterClrMapping/>
@@ -5081,7 +5042,7 @@
           <a:p>
             <a:r>
               <a:rPr lang="en-US" dirty="0"/>
-              <a:t>UI Mockup (Investing)</a:t>
+              <a:t>UI Mockup (Dashboard)</a:t>
             </a:r>
           </a:p>
         </p:txBody>
@@ -5105,8 +5066,8 @@
         </p:blipFill>
         <p:spPr bwMode="auto">
           <a:xfrm>
-            <a:off x="762000" y="1600200"/>
-            <a:ext cx="7848600" cy="5029200"/>
+            <a:off x="457200" y="1447800"/>
+            <a:ext cx="7848601" cy="5029200"/>
           </a:xfrm>
           <a:prstGeom prst="rect">
             <a:avLst/>
@@ -5162,113 +5123,45 @@
           <a:p>
             <a:r>
               <a:rPr lang="en-US" dirty="0"/>
-              <a:t>Benchmark </a:t>
-            </a:r>
-            <a:r>
-              <a:rPr lang="en-US" dirty="0" err="1"/>
-              <a:t>Specifcation</a:t>
-            </a:r>
-            <a:endParaRPr lang="en-US" dirty="0"/>
-          </a:p>
-        </p:txBody>
-      </p:sp>
-      <p:sp>
-        <p:nvSpPr>
-          <p:cNvPr id="3" name="Content Placeholder 2"/>
-          <p:cNvSpPr>
-            <a:spLocks noGrp="1"/>
-          </p:cNvSpPr>
+              <a:t>UI Mockup (Investing)</a:t>
+            </a:r>
+          </a:p>
+        </p:txBody>
+      </p:sp>
+      <p:pic>
+        <p:nvPicPr>
+          <p:cNvPr id="4" name="Content Placeholder 3"/>
+          <p:cNvPicPr>
+            <a:picLocks noGrp="1"/>
+          </p:cNvPicPr>
           <p:nvPr>
             <p:ph idx="1"/>
           </p:nvPr>
-        </p:nvSpPr>
-        <p:spPr/>
-        <p:txBody>
-          <a:bodyPr>
-            <a:normAutofit fontScale="77500" lnSpcReduction="20000"/>
-          </a:bodyPr>
-          <a:lstStyle/>
-          <a:p>
-            <a:r>
-              <a:rPr lang="en-US" sz="3400" b="1" dirty="0"/>
-              <a:t>Benchmark 1</a:t>
-            </a:r>
-            <a:r>
-              <a:rPr lang="en-US" sz="3400" dirty="0"/>
-              <a:t>:Database Setup and Testing</a:t>
-            </a:r>
-          </a:p>
-          <a:p>
-            <a:r>
-              <a:rPr lang="en-US" sz="3400" b="1" dirty="0"/>
-              <a:t>Benchmark 2</a:t>
-            </a:r>
-            <a:r>
-              <a:rPr lang="en-US" sz="3400" dirty="0"/>
-              <a:t>: User Signup/Login and Testing</a:t>
-            </a:r>
-          </a:p>
-          <a:p>
-            <a:r>
-              <a:rPr lang="en-US" sz="3400" b="1" dirty="0"/>
-              <a:t>Benchmark 3</a:t>
-            </a:r>
-            <a:r>
-              <a:rPr lang="en-US" sz="3400" dirty="0"/>
-              <a:t>:Transaction Service and Testing</a:t>
-            </a:r>
-          </a:p>
-          <a:p>
-            <a:r>
-              <a:rPr lang="en-US" sz="3400" b="1" dirty="0"/>
-              <a:t>Benchmark 4</a:t>
-            </a:r>
-            <a:r>
-              <a:rPr lang="en-US" sz="3400" dirty="0"/>
-              <a:t>:Stock Service and Testing</a:t>
-            </a:r>
-          </a:p>
-          <a:p>
-            <a:r>
-              <a:rPr lang="en-US" sz="3400" b="1" dirty="0"/>
-              <a:t>Benchmark 5</a:t>
-            </a:r>
-            <a:r>
-              <a:rPr lang="en-US" sz="3400" dirty="0"/>
-              <a:t>: GUI Design</a:t>
-            </a:r>
-          </a:p>
-          <a:p>
-            <a:r>
-              <a:rPr lang="en-US" sz="3400" b="1" dirty="0"/>
-              <a:t>Benchmark 6</a:t>
-            </a:r>
-            <a:r>
-              <a:rPr lang="en-US" sz="3400" dirty="0"/>
-              <a:t>: Notification/Recommendation System and Testing</a:t>
-            </a:r>
-          </a:p>
-          <a:p>
-            <a:r>
-              <a:rPr lang="en-US" sz="3400" b="1" dirty="0"/>
-              <a:t>Benchmark 7</a:t>
-            </a:r>
-            <a:r>
-              <a:rPr lang="en-US" sz="3400" dirty="0"/>
-              <a:t>: Integration Testing</a:t>
-            </a:r>
-          </a:p>
-          <a:p>
-            <a:endParaRPr lang="en-US" sz="3400" dirty="0"/>
-          </a:p>
-          <a:p>
-            <a:r>
-              <a:rPr lang="en-US" sz="3400" dirty="0"/>
-              <a:t>ALL FINISHED</a:t>
-            </a:r>
-          </a:p>
-        </p:txBody>
-      </p:sp>
+        </p:nvPicPr>
+        <p:blipFill>
+          <a:blip r:embed="rId2"/>
+          <a:srcRect/>
+          <a:stretch>
+            <a:fillRect/>
+          </a:stretch>
+        </p:blipFill>
+        <p:spPr bwMode="auto">
+          <a:xfrm>
+            <a:off x="762000" y="1600200"/>
+            <a:ext cx="7848600" cy="5029200"/>
+          </a:xfrm>
+          <a:prstGeom prst="rect">
+            <a:avLst/>
+          </a:prstGeom>
+          <a:noFill/>
+          <a:ln w="9525">
+            <a:noFill/>
+            <a:miter lim="800000"/>
+            <a:headEnd/>
+            <a:tailEnd/>
+          </a:ln>
+        </p:spPr>
+      </p:pic>
     </p:spTree>
   </p:cSld>
   <p:clrMapOvr>

--- a/FinalMoneypadPowerpoint.pptx
+++ b/FinalMoneypadPowerpoint.pptx
@@ -519,7 +519,7 @@
             <a:fld id="{81174F84-7A56-4EBE-A4F9-513CBF214038}" type="datetimeFigureOut">
               <a:rPr lang="en-US" smtClean="0"/>
               <a:pPr/>
-              <a:t>5/3/2023</a:t>
+              <a:t>5/6/2023</a:t>
             </a:fld>
             <a:endParaRPr lang="en-US"/>
           </a:p>
@@ -685,7 +685,7 @@
             <a:fld id="{81174F84-7A56-4EBE-A4F9-513CBF214038}" type="datetimeFigureOut">
               <a:rPr lang="en-US" smtClean="0"/>
               <a:pPr/>
-              <a:t>5/3/2023</a:t>
+              <a:t>5/6/2023</a:t>
             </a:fld>
             <a:endParaRPr lang="en-US"/>
           </a:p>
@@ -861,7 +861,7 @@
             <a:fld id="{81174F84-7A56-4EBE-A4F9-513CBF214038}" type="datetimeFigureOut">
               <a:rPr lang="en-US" smtClean="0"/>
               <a:pPr/>
-              <a:t>5/3/2023</a:t>
+              <a:t>5/6/2023</a:t>
             </a:fld>
             <a:endParaRPr lang="en-US"/>
           </a:p>
@@ -1031,7 +1031,7 @@
             <a:fld id="{81174F84-7A56-4EBE-A4F9-513CBF214038}" type="datetimeFigureOut">
               <a:rPr lang="en-US" smtClean="0"/>
               <a:pPr/>
-              <a:t>5/3/2023</a:t>
+              <a:t>5/6/2023</a:t>
             </a:fld>
             <a:endParaRPr lang="en-US"/>
           </a:p>
@@ -1487,7 +1487,7 @@
             <a:fld id="{81174F84-7A56-4EBE-A4F9-513CBF214038}" type="datetimeFigureOut">
               <a:rPr lang="en-US" smtClean="0"/>
               <a:pPr/>
-              <a:t>5/3/2023</a:t>
+              <a:t>5/6/2023</a:t>
             </a:fld>
             <a:endParaRPr lang="en-US"/>
           </a:p>
@@ -1752,7 +1752,7 @@
             <a:fld id="{81174F84-7A56-4EBE-A4F9-513CBF214038}" type="datetimeFigureOut">
               <a:rPr lang="en-US" smtClean="0"/>
               <a:pPr/>
-              <a:t>5/3/2023</a:t>
+              <a:t>5/6/2023</a:t>
             </a:fld>
             <a:endParaRPr lang="en-US"/>
           </a:p>
@@ -2127,7 +2127,7 @@
             <a:fld id="{81174F84-7A56-4EBE-A4F9-513CBF214038}" type="datetimeFigureOut">
               <a:rPr lang="en-US" smtClean="0"/>
               <a:pPr/>
-              <a:t>5/3/2023</a:t>
+              <a:t>5/6/2023</a:t>
             </a:fld>
             <a:endParaRPr lang="en-US"/>
           </a:p>
@@ -2250,7 +2250,7 @@
             <a:fld id="{81174F84-7A56-4EBE-A4F9-513CBF214038}" type="datetimeFigureOut">
               <a:rPr lang="en-US" smtClean="0"/>
               <a:pPr/>
-              <a:t>5/3/2023</a:t>
+              <a:t>5/6/2023</a:t>
             </a:fld>
             <a:endParaRPr lang="en-US"/>
           </a:p>
@@ -2342,7 +2342,7 @@
             <a:fld id="{81174F84-7A56-4EBE-A4F9-513CBF214038}" type="datetimeFigureOut">
               <a:rPr lang="en-US" smtClean="0"/>
               <a:pPr/>
-              <a:t>5/3/2023</a:t>
+              <a:t>5/6/2023</a:t>
             </a:fld>
             <a:endParaRPr lang="en-US"/>
           </a:p>
@@ -2592,7 +2592,7 @@
             <a:fld id="{81174F84-7A56-4EBE-A4F9-513CBF214038}" type="datetimeFigureOut">
               <a:rPr lang="en-US" smtClean="0"/>
               <a:pPr/>
-              <a:t>5/3/2023</a:t>
+              <a:t>5/6/2023</a:t>
             </a:fld>
             <a:endParaRPr lang="en-US"/>
           </a:p>
@@ -2852,7 +2852,7 @@
             <a:fld id="{81174F84-7A56-4EBE-A4F9-513CBF214038}" type="datetimeFigureOut">
               <a:rPr lang="en-US" smtClean="0"/>
               <a:pPr/>
-              <a:t>5/3/2023</a:t>
+              <a:t>5/6/2023</a:t>
             </a:fld>
             <a:endParaRPr lang="en-US"/>
           </a:p>
@@ -3256,7 +3256,7 @@
             <a:fld id="{81174F84-7A56-4EBE-A4F9-513CBF214038}" type="datetimeFigureOut">
               <a:rPr lang="en-US" smtClean="0"/>
               <a:pPr/>
-              <a:t>5/3/2023</a:t>
+              <a:t>5/6/2023</a:t>
             </a:fld>
             <a:endParaRPr lang="en-US"/>
           </a:p>
@@ -3858,15 +3858,6 @@
               <a:t>: Integration Testing</a:t>
             </a:r>
           </a:p>
-          <a:p>
-            <a:endParaRPr lang="en-US" sz="3400" dirty="0"/>
-          </a:p>
-          <a:p>
-            <a:r>
-              <a:rPr lang="en-US" sz="3400" dirty="0"/>
-              <a:t>ALL FINISHED</a:t>
-            </a:r>
-          </a:p>
         </p:txBody>
       </p:sp>
     </p:spTree>
@@ -4182,7 +4173,34 @@
           <a:bodyPr/>
           <a:lstStyle/>
           <a:p>
-            <a:endParaRPr lang="en-US" dirty="0"/>
+            <a:r>
+              <a:rPr lang="en-US" dirty="0"/>
+              <a:t>Removed search bar from stock page</a:t>
+            </a:r>
+          </a:p>
+          <a:p>
+            <a:r>
+              <a:rPr lang="en-US" dirty="0"/>
+              <a:t>Removed notifications from stock page</a:t>
+            </a:r>
+          </a:p>
+          <a:p>
+            <a:r>
+              <a:rPr lang="en-US" dirty="0"/>
+              <a:t>Added a feature to be able to click the stock name, that brings the user to yahoo finance.</a:t>
+            </a:r>
+          </a:p>
+          <a:p>
+            <a:r>
+              <a:rPr lang="en-US" dirty="0"/>
+              <a:t>Added an admin page</a:t>
+            </a:r>
+          </a:p>
+          <a:p>
+            <a:r>
+              <a:rPr lang="en-US" dirty="0"/>
+              <a:t>Combined Transactions and Expenses into one component</a:t>
+            </a:r>
           </a:p>
         </p:txBody>
       </p:sp>
@@ -4399,7 +4417,7 @@
         <p:spPr/>
         <p:txBody>
           <a:bodyPr>
-            <a:normAutofit/>
+            <a:normAutofit fontScale="92500" lnSpcReduction="10000"/>
           </a:bodyPr>
           <a:lstStyle/>
           <a:p>
@@ -4442,6 +4460,12 @@
             <a:r>
               <a:rPr lang="en-US" dirty="0"/>
               <a:t>What I delivered</a:t>
+            </a:r>
+          </a:p>
+          <a:p>
+            <a:r>
+              <a:rPr lang="en-US" dirty="0"/>
+              <a:t>Amendments</a:t>
             </a:r>
           </a:p>
           <a:p>

--- a/FinalMoneypadPowerpoint.pptx
+++ b/FinalMoneypadPowerpoint.pptx
@@ -19,6 +19,7 @@
     <p:sldId id="277" r:id="rId13"/>
     <p:sldId id="279" r:id="rId14"/>
     <p:sldId id="278" r:id="rId15"/>
+    <p:sldId id="280" r:id="rId16"/>
   </p:sldIdLst>
   <p:sldSz cx="9144000" cy="6858000" type="screen4x3"/>
   <p:notesSz cx="6858000" cy="9144000"/>
@@ -519,7 +520,7 @@
             <a:fld id="{81174F84-7A56-4EBE-A4F9-513CBF214038}" type="datetimeFigureOut">
               <a:rPr lang="en-US" smtClean="0"/>
               <a:pPr/>
-              <a:t>5/6/2023</a:t>
+              <a:t>5/8/2023</a:t>
             </a:fld>
             <a:endParaRPr lang="en-US"/>
           </a:p>
@@ -685,7 +686,7 @@
             <a:fld id="{81174F84-7A56-4EBE-A4F9-513CBF214038}" type="datetimeFigureOut">
               <a:rPr lang="en-US" smtClean="0"/>
               <a:pPr/>
-              <a:t>5/6/2023</a:t>
+              <a:t>5/8/2023</a:t>
             </a:fld>
             <a:endParaRPr lang="en-US"/>
           </a:p>
@@ -861,7 +862,7 @@
             <a:fld id="{81174F84-7A56-4EBE-A4F9-513CBF214038}" type="datetimeFigureOut">
               <a:rPr lang="en-US" smtClean="0"/>
               <a:pPr/>
-              <a:t>5/6/2023</a:t>
+              <a:t>5/8/2023</a:t>
             </a:fld>
             <a:endParaRPr lang="en-US"/>
           </a:p>
@@ -1031,7 +1032,7 @@
             <a:fld id="{81174F84-7A56-4EBE-A4F9-513CBF214038}" type="datetimeFigureOut">
               <a:rPr lang="en-US" smtClean="0"/>
               <a:pPr/>
-              <a:t>5/6/2023</a:t>
+              <a:t>5/8/2023</a:t>
             </a:fld>
             <a:endParaRPr lang="en-US"/>
           </a:p>
@@ -1487,7 +1488,7 @@
             <a:fld id="{81174F84-7A56-4EBE-A4F9-513CBF214038}" type="datetimeFigureOut">
               <a:rPr lang="en-US" smtClean="0"/>
               <a:pPr/>
-              <a:t>5/6/2023</a:t>
+              <a:t>5/8/2023</a:t>
             </a:fld>
             <a:endParaRPr lang="en-US"/>
           </a:p>
@@ -1752,7 +1753,7 @@
             <a:fld id="{81174F84-7A56-4EBE-A4F9-513CBF214038}" type="datetimeFigureOut">
               <a:rPr lang="en-US" smtClean="0"/>
               <a:pPr/>
-              <a:t>5/6/2023</a:t>
+              <a:t>5/8/2023</a:t>
             </a:fld>
             <a:endParaRPr lang="en-US"/>
           </a:p>
@@ -2127,7 +2128,7 @@
             <a:fld id="{81174F84-7A56-4EBE-A4F9-513CBF214038}" type="datetimeFigureOut">
               <a:rPr lang="en-US" smtClean="0"/>
               <a:pPr/>
-              <a:t>5/6/2023</a:t>
+              <a:t>5/8/2023</a:t>
             </a:fld>
             <a:endParaRPr lang="en-US"/>
           </a:p>
@@ -2250,7 +2251,7 @@
             <a:fld id="{81174F84-7A56-4EBE-A4F9-513CBF214038}" type="datetimeFigureOut">
               <a:rPr lang="en-US" smtClean="0"/>
               <a:pPr/>
-              <a:t>5/6/2023</a:t>
+              <a:t>5/8/2023</a:t>
             </a:fld>
             <a:endParaRPr lang="en-US"/>
           </a:p>
@@ -2342,7 +2343,7 @@
             <a:fld id="{81174F84-7A56-4EBE-A4F9-513CBF214038}" type="datetimeFigureOut">
               <a:rPr lang="en-US" smtClean="0"/>
               <a:pPr/>
-              <a:t>5/6/2023</a:t>
+              <a:t>5/8/2023</a:t>
             </a:fld>
             <a:endParaRPr lang="en-US"/>
           </a:p>
@@ -2592,7 +2593,7 @@
             <a:fld id="{81174F84-7A56-4EBE-A4F9-513CBF214038}" type="datetimeFigureOut">
               <a:rPr lang="en-US" smtClean="0"/>
               <a:pPr/>
-              <a:t>5/6/2023</a:t>
+              <a:t>5/8/2023</a:t>
             </a:fld>
             <a:endParaRPr lang="en-US"/>
           </a:p>
@@ -2852,7 +2853,7 @@
             <a:fld id="{81174F84-7A56-4EBE-A4F9-513CBF214038}" type="datetimeFigureOut">
               <a:rPr lang="en-US" smtClean="0"/>
               <a:pPr/>
-              <a:t>5/6/2023</a:t>
+              <a:t>5/8/2023</a:t>
             </a:fld>
             <a:endParaRPr lang="en-US"/>
           </a:p>
@@ -3256,7 +3257,7 @@
             <a:fld id="{81174F84-7A56-4EBE-A4F9-513CBF214038}" type="datetimeFigureOut">
               <a:rPr lang="en-US" smtClean="0"/>
               <a:pPr/>
-              <a:t>5/6/2023</a:t>
+              <a:t>5/8/2023</a:t>
             </a:fld>
             <a:endParaRPr lang="en-US"/>
           </a:p>
@@ -4280,12 +4281,14 @@
         </p:nvSpPr>
         <p:spPr/>
         <p:txBody>
-          <a:bodyPr/>
-          <a:lstStyle/>
-          <a:p>
-            <a:r>
-              <a:rPr lang="en-US" dirty="0"/>
-              <a:t>Original proposal of CSC 520</a:t>
+          <a:bodyPr>
+            <a:normAutofit lnSpcReduction="10000"/>
+          </a:bodyPr>
+          <a:lstStyle/>
+          <a:p>
+            <a:r>
+              <a:rPr lang="en-US" dirty="0"/>
+              <a:t>Original Proposal of CSC 520 and 521 Project</a:t>
             </a:r>
           </a:p>
           <a:p>
@@ -4354,6 +4357,96 @@
     <p:extLst>
       <p:ext uri="{BB962C8B-B14F-4D97-AF65-F5344CB8AC3E}">
         <p14:creationId xmlns:p14="http://schemas.microsoft.com/office/powerpoint/2010/main" val="2525640229"/>
+      </p:ext>
+    </p:extLst>
+  </p:cSld>
+  <p:clrMapOvr>
+    <a:masterClrMapping/>
+  </p:clrMapOvr>
+</p:sld>
+</file>
+
+<file path=ppt/slides/slide15.xml><?xml version="1.0" encoding="utf-8"?>
+<p:sld xmlns:a="http://schemas.openxmlformats.org/drawingml/2006/main" xmlns:r="http://schemas.openxmlformats.org/officeDocument/2006/relationships" xmlns:p="http://schemas.openxmlformats.org/presentationml/2006/main">
+  <p:cSld>
+    <p:spTree>
+      <p:nvGrpSpPr>
+        <p:cNvPr id="1" name=""/>
+        <p:cNvGrpSpPr/>
+        <p:nvPr/>
+      </p:nvGrpSpPr>
+      <p:grpSpPr>
+        <a:xfrm>
+          <a:off x="0" y="0"/>
+          <a:ext cx="0" cy="0"/>
+          <a:chOff x="0" y="0"/>
+          <a:chExt cx="0" cy="0"/>
+        </a:xfrm>
+      </p:grpSpPr>
+      <p:sp>
+        <p:nvSpPr>
+          <p:cNvPr id="2" name="Title 1">
+            <a:extLst>
+              <a:ext uri="{FF2B5EF4-FFF2-40B4-BE49-F238E27FC236}">
+                <a16:creationId xmlns:a16="http://schemas.microsoft.com/office/drawing/2014/main" id="{5CBD0687-8F0A-4F37-3FCF-6636E969D89B}"/>
+              </a:ext>
+            </a:extLst>
+          </p:cNvPr>
+          <p:cNvSpPr>
+            <a:spLocks noGrp="1"/>
+          </p:cNvSpPr>
+          <p:nvPr>
+            <p:ph type="title"/>
+          </p:nvPr>
+        </p:nvSpPr>
+        <p:spPr/>
+        <p:txBody>
+          <a:bodyPr>
+            <a:normAutofit/>
+          </a:bodyPr>
+          <a:lstStyle/>
+          <a:p>
+            <a:r>
+              <a:rPr lang="en-US" sz="6000" dirty="0"/>
+              <a:t>Thank you</a:t>
+            </a:r>
+          </a:p>
+        </p:txBody>
+      </p:sp>
+      <p:sp>
+        <p:nvSpPr>
+          <p:cNvPr id="3" name="Content Placeholder 2">
+            <a:extLst>
+              <a:ext uri="{FF2B5EF4-FFF2-40B4-BE49-F238E27FC236}">
+                <a16:creationId xmlns:a16="http://schemas.microsoft.com/office/drawing/2014/main" id="{DE7A2503-F011-0E71-01FA-C0DAA3518401}"/>
+              </a:ext>
+            </a:extLst>
+          </p:cNvPr>
+          <p:cNvSpPr>
+            <a:spLocks noGrp="1"/>
+          </p:cNvSpPr>
+          <p:nvPr>
+            <p:ph idx="1"/>
+          </p:nvPr>
+        </p:nvSpPr>
+        <p:spPr/>
+        <p:txBody>
+          <a:bodyPr>
+            <a:normAutofit/>
+          </a:bodyPr>
+          <a:lstStyle/>
+          <a:p>
+            <a:r>
+              <a:rPr lang="en-US" sz="4800" dirty="0"/>
+              <a:t>Questions?</a:t>
+            </a:r>
+          </a:p>
+        </p:txBody>
+      </p:sp>
+    </p:spTree>
+    <p:extLst>
+      <p:ext uri="{BB962C8B-B14F-4D97-AF65-F5344CB8AC3E}">
+        <p14:creationId xmlns:p14="http://schemas.microsoft.com/office/powerpoint/2010/main" val="3270864481"/>
       </p:ext>
     </p:extLst>
   </p:cSld>
